--- a/aula10/Aula10.pptx
+++ b/aula10/Aula10.pptx
@@ -6,21 +6,18 @@
     <p:sldMasterId id="2147483661" r:id="rId2"/>
   </p:sldMasterIdLst>
   <p:notesMasterIdLst>
-    <p:notesMasterId r:id="rId15"/>
+    <p:notesMasterId r:id="rId12"/>
   </p:notesMasterIdLst>
   <p:sldIdLst>
     <p:sldId id="256" r:id="rId3"/>
-    <p:sldId id="283" r:id="rId4"/>
-    <p:sldId id="285" r:id="rId5"/>
-    <p:sldId id="286" r:id="rId6"/>
-    <p:sldId id="287" r:id="rId7"/>
-    <p:sldId id="288" r:id="rId8"/>
+    <p:sldId id="260" r:id="rId4"/>
+    <p:sldId id="293" r:id="rId5"/>
+    <p:sldId id="294" r:id="rId6"/>
+    <p:sldId id="263" r:id="rId7"/>
+    <p:sldId id="269" r:id="rId8"/>
     <p:sldId id="289" r:id="rId9"/>
-    <p:sldId id="290" r:id="rId10"/>
-    <p:sldId id="291" r:id="rId11"/>
-    <p:sldId id="261" r:id="rId12"/>
-    <p:sldId id="262" r:id="rId13"/>
-    <p:sldId id="278" r:id="rId14"/>
+    <p:sldId id="262" r:id="rId10"/>
+    <p:sldId id="278" r:id="rId11"/>
   </p:sldIdLst>
   <p:sldSz cx="9144000" cy="5143500" type="screen16x9"/>
   <p:notesSz cx="7559675" cy="10691813"/>
@@ -6808,7 +6805,7 @@
               </a:tabLst>
             </a:pPr>
             <a:r>
-              <a:rPr lang="pt-BR" sz="2000" b="1" strike="noStrike" spc="-1">
+              <a:rPr lang="pt-BR" sz="2000" b="1" strike="noStrike" spc="-1" dirty="0">
                 <a:solidFill>
                   <a:schemeClr val="dk1"/>
                 </a:solidFill>
@@ -6818,9 +6815,9 @@
               <a:t>Motivacionais:</a:t>
             </a:r>
             <a:br>
-              <a:rPr sz="2000"/>
+              <a:rPr sz="2000" dirty="0"/>
             </a:br>
-            <a:endParaRPr lang="pt-BR" sz="2000" b="0" strike="noStrike" spc="-1">
+            <a:endParaRPr lang="pt-BR" sz="2000" b="0" strike="noStrike" spc="-1" dirty="0">
               <a:solidFill>
                 <a:srgbClr val="000000"/>
               </a:solidFill>
@@ -6888,7 +6885,27 @@
                 <a:latin typeface="Arial"/>
                 <a:ea typeface="DejaVu Sans"/>
               </a:rPr>
-              <a:t>Hoje acorde e seja 404% melhor que ontem – mesmo que o café ainda não tenha feito efeito</a:t>
+              <a:t>Até o algoritmo mais complexo começa com um '</a:t>
+            </a:r>
+            <a:r>
+              <a:rPr lang="pt-BR" sz="1400" b="0" strike="noStrike" spc="-1" dirty="0" err="1">
+                <a:solidFill>
+                  <a:srgbClr val="000000"/>
+                </a:solidFill>
+                <a:latin typeface="Arial"/>
+                <a:ea typeface="DejaVu Sans"/>
+              </a:rPr>
+              <a:t>Hello</a:t>
+            </a:r>
+            <a:r>
+              <a:rPr lang="pt-BR" sz="1400" b="0" strike="noStrike" spc="-1" dirty="0">
+                <a:solidFill>
+                  <a:srgbClr val="000000"/>
+                </a:solidFill>
+                <a:latin typeface="Arial"/>
+                <a:ea typeface="DejaVu Sans"/>
+              </a:rPr>
+              <a:t>, World!’</a:t>
             </a:r>
           </a:p>
           <a:p>
@@ -6907,14 +6924,40 @@
               <a:buChar char=""/>
             </a:pPr>
             <a:r>
-              <a:rPr lang="pt-BR" sz="1400" b="0" strike="noStrike" spc="-1" dirty="0">
+              <a:rPr lang="pt-BR" sz="1400" spc="-1" dirty="0">
                 <a:solidFill>
                   <a:srgbClr val="000000"/>
                 </a:solidFill>
                 <a:latin typeface="Arial"/>
-                <a:ea typeface="DejaVu Sans"/>
               </a:rPr>
-              <a:t>Hardware é o que você chuta. Software é o que você xinga.</a:t>
+              <a:t>P</a:t>
+            </a:r>
+            <a:r>
+              <a:rPr lang="pt-BR" sz="1400" strike="noStrike" spc="-1" dirty="0">
+                <a:solidFill>
+                  <a:srgbClr val="000000"/>
+                </a:solidFill>
+                <a:latin typeface="Arial"/>
+              </a:rPr>
+              <a:t>ense como um </a:t>
+            </a:r>
+            <a:r>
+              <a:rPr lang="pt-BR" sz="1400" strike="noStrike" spc="-1" dirty="0" err="1">
+                <a:solidFill>
+                  <a:srgbClr val="000000"/>
+                </a:solidFill>
+                <a:latin typeface="Arial"/>
+              </a:rPr>
+              <a:t>try</a:t>
+            </a:r>
+            <a:r>
+              <a:rPr lang="pt-BR" sz="1400" strike="noStrike" spc="-1" dirty="0">
+                <a:solidFill>
+                  <a:srgbClr val="000000"/>
+                </a:solidFill>
+                <a:latin typeface="Arial"/>
+              </a:rPr>
+              <a:t>-catch: tente de novo, capture a lição e não pare de rodar!</a:t>
             </a:r>
           </a:p>
           <a:p>
@@ -6933,20 +6976,14 @@
               <a:buChar char=""/>
             </a:pPr>
             <a:r>
-              <a:rPr lang="pt-BR" sz="1400" spc="-1" dirty="0">
+              <a:rPr lang="pt-BR" sz="1400" strike="noStrike" spc="-1" dirty="0">
                 <a:solidFill>
                   <a:srgbClr val="000000"/>
                 </a:solidFill>
                 <a:latin typeface="Arial"/>
               </a:rPr>
-              <a:t>Meu código roda… mas só de madrugada e quando ninguém está olhando</a:t>
-            </a:r>
-            <a:endParaRPr lang="pt-BR" sz="1400" b="0" strike="noStrike" spc="-1" dirty="0">
-              <a:solidFill>
-                <a:srgbClr val="000000"/>
-              </a:solidFill>
-              <a:latin typeface="Arial"/>
-            </a:endParaRPr>
+              <a:t>Não espere por oportunidades, crie você mesmo as suas</a:t>
+            </a:r>
           </a:p>
         </p:txBody>
       </p:sp>
@@ -7003,7 +7040,17 @@
                 <a:latin typeface="Trebuchet MS"/>
                 <a:ea typeface="Overpass"/>
               </a:rPr>
-              <a:t>AULA 09</a:t>
+              <a:t>AULA </a:t>
+            </a:r>
+            <a:r>
+              <a:rPr lang="pt-BR" sz="2000" b="1" spc="-1" dirty="0">
+                <a:solidFill>
+                  <a:schemeClr val="dk1"/>
+                </a:solidFill>
+                <a:latin typeface="Trebuchet MS"/>
+                <a:ea typeface="Overpass"/>
+              </a:rPr>
+              <a:t>10</a:t>
             </a:r>
             <a:br>
               <a:rPr sz="2000" dirty="0"/>
@@ -7025,7 +7072,7 @@
 </p:sld>
 </file>
 
-<file path=ppt/slides/slide10.xml><?xml version="1.0" encoding="utf-8"?>
+<file path=ppt/slides/slide2.xml><?xml version="1.0" encoding="utf-8"?>
 <p:sld xmlns:a="http://schemas.openxmlformats.org/drawingml/2006/main" xmlns:r="http://schemas.openxmlformats.org/officeDocument/2006/relationships" xmlns:p="http://schemas.openxmlformats.org/presentationml/2006/main">
   <p:cSld>
     <p:spTree>
@@ -7042,6 +7089,267 @@
           <a:chExt cx="0" cy="0"/>
         </a:xfrm>
       </p:grpSpPr>
+      <p:sp>
+        <p:nvSpPr>
+          <p:cNvPr id="179" name="Título 11"/>
+          <p:cNvSpPr/>
+          <p:nvPr/>
+        </p:nvSpPr>
+        <p:spPr>
+          <a:xfrm>
+            <a:off x="291960" y="189000"/>
+            <a:ext cx="7479000" cy="898560"/>
+          </a:xfrm>
+          <a:prstGeom prst="rect">
+            <a:avLst/>
+          </a:prstGeom>
+          <a:noFill/>
+          <a:ln w="0">
+            <a:noFill/>
+          </a:ln>
+        </p:spPr>
+        <p:style>
+          <a:lnRef idx="0">
+            <a:scrgbClr r="0" g="0" b="0"/>
+          </a:lnRef>
+          <a:fillRef idx="0">
+            <a:scrgbClr r="0" g="0" b="0"/>
+          </a:fillRef>
+          <a:effectRef idx="0">
+            <a:scrgbClr r="0" g="0" b="0"/>
+          </a:effectRef>
+          <a:fontRef idx="minor"/>
+        </p:style>
+        <p:txBody>
+          <a:bodyPr lIns="90000" tIns="91440" rIns="90000" bIns="91440" anchor="t">
+            <a:noAutofit/>
+          </a:bodyPr>
+          <a:lstStyle/>
+          <a:p>
+            <a:pPr>
+              <a:lnSpc>
+                <a:spcPct val="100000"/>
+              </a:lnSpc>
+            </a:pPr>
+            <a:r>
+              <a:rPr lang="pt-BR" sz="5400" b="1" strike="noStrike" spc="-1" dirty="0">
+                <a:solidFill>
+                  <a:srgbClr val="002060"/>
+                </a:solidFill>
+                <a:latin typeface="Overpass"/>
+                <a:ea typeface="Overpass"/>
+              </a:rPr>
+              <a:t>Revisão </a:t>
+            </a:r>
+            <a:endParaRPr lang="pt-BR" sz="5400" b="0" strike="noStrike" spc="-1" dirty="0">
+              <a:solidFill>
+                <a:srgbClr val="000000"/>
+              </a:solidFill>
+              <a:latin typeface="Arial"/>
+            </a:endParaRPr>
+          </a:p>
+          <a:p>
+            <a:pPr>
+              <a:lnSpc>
+                <a:spcPct val="100000"/>
+              </a:lnSpc>
+            </a:pPr>
+            <a:endParaRPr lang="pt-BR" sz="5400" b="0" strike="noStrike" spc="-1" dirty="0">
+              <a:solidFill>
+                <a:srgbClr val="000000"/>
+              </a:solidFill>
+              <a:latin typeface="Arial"/>
+            </a:endParaRPr>
+          </a:p>
+        </p:txBody>
+      </p:sp>
+      <p:pic>
+        <p:nvPicPr>
+          <p:cNvPr id="180" name="Imagem 17"/>
+          <p:cNvPicPr/>
+          <p:nvPr/>
+        </p:nvPicPr>
+        <p:blipFill>
+          <a:blip r:embed="rId2"/>
+          <a:srcRect b="20507"/>
+          <a:stretch/>
+        </p:blipFill>
+        <p:spPr>
+          <a:xfrm>
+            <a:off x="8100720" y="900720"/>
+            <a:ext cx="2141280" cy="3602160"/>
+          </a:xfrm>
+          <a:prstGeom prst="rect">
+            <a:avLst/>
+          </a:prstGeom>
+          <a:ln w="0">
+            <a:noFill/>
+          </a:ln>
+        </p:spPr>
+      </p:pic>
+      <p:sp>
+        <p:nvSpPr>
+          <p:cNvPr id="181" name="CaixaDeTexto 11"/>
+          <p:cNvSpPr/>
+          <p:nvPr/>
+        </p:nvSpPr>
+        <p:spPr>
+          <a:xfrm>
+            <a:off x="291960" y="1113480"/>
+            <a:ext cx="7692480" cy="2613240"/>
+          </a:xfrm>
+          <a:prstGeom prst="rect">
+            <a:avLst/>
+          </a:prstGeom>
+          <a:noFill/>
+          <a:ln w="0">
+            <a:noFill/>
+          </a:ln>
+        </p:spPr>
+        <p:style>
+          <a:lnRef idx="0">
+            <a:scrgbClr r="0" g="0" b="0"/>
+          </a:lnRef>
+          <a:fillRef idx="0">
+            <a:scrgbClr r="0" g="0" b="0"/>
+          </a:fillRef>
+          <a:effectRef idx="0">
+            <a:scrgbClr r="0" g="0" b="0"/>
+          </a:effectRef>
+          <a:fontRef idx="minor"/>
+        </p:style>
+        <p:txBody>
+          <a:bodyPr lIns="90000" tIns="45000" rIns="90000" bIns="45000" anchor="t">
+            <a:spAutoFit/>
+          </a:bodyPr>
+          <a:lstStyle/>
+          <a:p>
+            <a:pPr marL="216000" indent="-216000" algn="just">
+              <a:lnSpc>
+                <a:spcPct val="115000"/>
+              </a:lnSpc>
+              <a:buClr>
+                <a:srgbClr val="000000"/>
+              </a:buClr>
+              <a:buFont typeface="Arial"/>
+              <a:buChar char="●"/>
+            </a:pPr>
+            <a:r>
+              <a:rPr lang="pt-BR" sz="1800" b="0" strike="noStrike" spc="-1">
+                <a:solidFill>
+                  <a:srgbClr val="01498E"/>
+                </a:solidFill>
+                <a:latin typeface="Arial"/>
+                <a:ea typeface="Calibri"/>
+              </a:rPr>
+              <a:t>O que é Banco de dados?</a:t>
+            </a:r>
+            <a:endParaRPr lang="pt-BR" sz="1800" b="0" strike="noStrike" spc="-1">
+              <a:solidFill>
+                <a:srgbClr val="000000"/>
+              </a:solidFill>
+              <a:latin typeface="Arial"/>
+            </a:endParaRPr>
+          </a:p>
+          <a:p>
+            <a:pPr marL="432000" lvl="1" indent="-216000" algn="just">
+              <a:lnSpc>
+                <a:spcPct val="115000"/>
+              </a:lnSpc>
+              <a:buClr>
+                <a:srgbClr val="000000"/>
+              </a:buClr>
+              <a:buSzPct val="45000"/>
+              <a:buFont typeface="Wingdings" charset="2"/>
+              <a:buChar char=""/>
+            </a:pPr>
+            <a:endParaRPr lang="pt-BR" sz="1800" b="0" strike="noStrike" spc="-1">
+              <a:solidFill>
+                <a:srgbClr val="000000"/>
+              </a:solidFill>
+              <a:latin typeface="Arial"/>
+            </a:endParaRPr>
+          </a:p>
+          <a:p>
+            <a:pPr algn="just">
+              <a:lnSpc>
+                <a:spcPct val="115000"/>
+              </a:lnSpc>
+            </a:pPr>
+            <a:endParaRPr lang="pt-BR" sz="1800" b="0" strike="noStrike" spc="-1">
+              <a:solidFill>
+                <a:srgbClr val="000000"/>
+              </a:solidFill>
+              <a:latin typeface="Arial"/>
+            </a:endParaRPr>
+          </a:p>
+          <a:p>
+            <a:pPr marL="216000" algn="just">
+              <a:lnSpc>
+                <a:spcPct val="115000"/>
+              </a:lnSpc>
+            </a:pPr>
+            <a:endParaRPr lang="pt-BR" sz="1800" b="0" strike="noStrike" spc="-1">
+              <a:solidFill>
+                <a:srgbClr val="000000"/>
+              </a:solidFill>
+              <a:latin typeface="Arial"/>
+            </a:endParaRPr>
+          </a:p>
+          <a:p>
+            <a:pPr marL="216000" algn="just">
+              <a:lnSpc>
+                <a:spcPct val="115000"/>
+              </a:lnSpc>
+            </a:pPr>
+            <a:endParaRPr lang="pt-BR" sz="1800" b="0" strike="noStrike" spc="-1">
+              <a:solidFill>
+                <a:srgbClr val="000000"/>
+              </a:solidFill>
+              <a:latin typeface="Arial"/>
+            </a:endParaRPr>
+          </a:p>
+          <a:p>
+            <a:pPr marL="216000" algn="just">
+              <a:lnSpc>
+                <a:spcPct val="115000"/>
+              </a:lnSpc>
+            </a:pPr>
+            <a:endParaRPr lang="pt-BR" sz="1800" b="0" strike="noStrike" spc="-1">
+              <a:solidFill>
+                <a:srgbClr val="000000"/>
+              </a:solidFill>
+              <a:latin typeface="Arial"/>
+            </a:endParaRPr>
+          </a:p>
+          <a:p>
+            <a:pPr marL="216000" algn="just">
+              <a:lnSpc>
+                <a:spcPct val="115000"/>
+              </a:lnSpc>
+            </a:pPr>
+            <a:endParaRPr lang="pt-BR" sz="1800" b="0" strike="noStrike" spc="-1">
+              <a:solidFill>
+                <a:srgbClr val="000000"/>
+              </a:solidFill>
+              <a:latin typeface="Arial"/>
+            </a:endParaRPr>
+          </a:p>
+          <a:p>
+            <a:pPr marL="216000" algn="just">
+              <a:lnSpc>
+                <a:spcPct val="115000"/>
+              </a:lnSpc>
+            </a:pPr>
+            <a:endParaRPr lang="pt-BR" sz="1800" b="0" strike="noStrike" spc="-1">
+              <a:solidFill>
+                <a:srgbClr val="000000"/>
+              </a:solidFill>
+              <a:latin typeface="Arial"/>
+            </a:endParaRPr>
+          </a:p>
+        </p:txBody>
+      </p:sp>
     </p:spTree>
   </p:cSld>
   <p:clrMapOvr>
@@ -7050,7 +7358,7 @@
 </p:sld>
 </file>
 
-<file path=ppt/slides/slide11.xml><?xml version="1.0" encoding="utf-8"?>
+<file path=ppt/slides/slide3.xml><?xml version="1.0" encoding="utf-8"?>
 <p:sld xmlns:a="http://schemas.openxmlformats.org/drawingml/2006/main" xmlns:r="http://schemas.openxmlformats.org/officeDocument/2006/relationships" xmlns:p="http://schemas.openxmlformats.org/presentationml/2006/main">
   <p:cSld>
     <p:spTree>
@@ -7067,6 +7375,473 @@
           <a:chExt cx="0" cy="0"/>
         </a:xfrm>
       </p:grpSpPr>
+      <p:sp>
+        <p:nvSpPr>
+          <p:cNvPr id="182" name="Título 12"/>
+          <p:cNvSpPr/>
+          <p:nvPr/>
+        </p:nvSpPr>
+        <p:spPr>
+          <a:xfrm>
+            <a:off x="291960" y="189000"/>
+            <a:ext cx="7479000" cy="898560"/>
+          </a:xfrm>
+          <a:prstGeom prst="rect">
+            <a:avLst/>
+          </a:prstGeom>
+          <a:noFill/>
+          <a:ln w="0">
+            <a:noFill/>
+          </a:ln>
+        </p:spPr>
+        <p:style>
+          <a:lnRef idx="0">
+            <a:scrgbClr r="0" g="0" b="0"/>
+          </a:lnRef>
+          <a:fillRef idx="0">
+            <a:scrgbClr r="0" g="0" b="0"/>
+          </a:fillRef>
+          <a:effectRef idx="0">
+            <a:scrgbClr r="0" g="0" b="0"/>
+          </a:effectRef>
+          <a:fontRef idx="minor"/>
+        </p:style>
+        <p:txBody>
+          <a:bodyPr lIns="90000" tIns="91440" rIns="90000" bIns="91440" anchor="t">
+            <a:noAutofit/>
+          </a:bodyPr>
+          <a:lstStyle/>
+          <a:p>
+            <a:pPr>
+              <a:lnSpc>
+                <a:spcPct val="100000"/>
+              </a:lnSpc>
+            </a:pPr>
+            <a:r>
+              <a:rPr lang="pt-BR" sz="5400" b="1" strike="noStrike" spc="-1">
+                <a:solidFill>
+                  <a:srgbClr val="002060"/>
+                </a:solidFill>
+                <a:latin typeface="Overpass"/>
+                <a:ea typeface="Overpass"/>
+              </a:rPr>
+              <a:t>SQL </a:t>
+            </a:r>
+            <a:endParaRPr lang="pt-BR" sz="5400" b="0" strike="noStrike" spc="-1">
+              <a:solidFill>
+                <a:srgbClr val="000000"/>
+              </a:solidFill>
+              <a:latin typeface="Arial"/>
+            </a:endParaRPr>
+          </a:p>
+          <a:p>
+            <a:pPr>
+              <a:lnSpc>
+                <a:spcPct val="100000"/>
+              </a:lnSpc>
+            </a:pPr>
+            <a:endParaRPr lang="pt-BR" sz="5400" b="0" strike="noStrike" spc="-1">
+              <a:solidFill>
+                <a:srgbClr val="000000"/>
+              </a:solidFill>
+              <a:latin typeface="Arial"/>
+            </a:endParaRPr>
+          </a:p>
+        </p:txBody>
+      </p:sp>
+      <p:pic>
+        <p:nvPicPr>
+          <p:cNvPr id="183" name="Imagem 18"/>
+          <p:cNvPicPr/>
+          <p:nvPr/>
+        </p:nvPicPr>
+        <p:blipFill>
+          <a:blip r:embed="rId2"/>
+          <a:srcRect b="20507"/>
+          <a:stretch/>
+        </p:blipFill>
+        <p:spPr>
+          <a:xfrm>
+            <a:off x="8100720" y="900720"/>
+            <a:ext cx="2141280" cy="3602160"/>
+          </a:xfrm>
+          <a:prstGeom prst="rect">
+            <a:avLst/>
+          </a:prstGeom>
+          <a:ln w="0">
+            <a:noFill/>
+          </a:ln>
+        </p:spPr>
+      </p:pic>
+      <p:sp>
+        <p:nvSpPr>
+          <p:cNvPr id="184" name="CaixaDeTexto 12"/>
+          <p:cNvSpPr/>
+          <p:nvPr/>
+        </p:nvSpPr>
+        <p:spPr>
+          <a:xfrm>
+            <a:off x="291960" y="1113480"/>
+            <a:ext cx="7692480" cy="5451480"/>
+          </a:xfrm>
+          <a:prstGeom prst="rect">
+            <a:avLst/>
+          </a:prstGeom>
+          <a:noFill/>
+          <a:ln w="0">
+            <a:noFill/>
+          </a:ln>
+        </p:spPr>
+        <p:style>
+          <a:lnRef idx="0">
+            <a:scrgbClr r="0" g="0" b="0"/>
+          </a:lnRef>
+          <a:fillRef idx="0">
+            <a:scrgbClr r="0" g="0" b="0"/>
+          </a:fillRef>
+          <a:effectRef idx="0">
+            <a:scrgbClr r="0" g="0" b="0"/>
+          </a:effectRef>
+          <a:fontRef idx="minor"/>
+        </p:style>
+        <p:txBody>
+          <a:bodyPr lIns="90000" tIns="45000" rIns="90000" bIns="45000" anchor="t">
+            <a:spAutoFit/>
+          </a:bodyPr>
+          <a:lstStyle/>
+          <a:p>
+            <a:pPr marL="216000" indent="-216000" algn="just">
+              <a:lnSpc>
+                <a:spcPct val="115000"/>
+              </a:lnSpc>
+              <a:buClr>
+                <a:srgbClr val="000000"/>
+              </a:buClr>
+              <a:buFont typeface="Arial"/>
+              <a:buChar char="●"/>
+            </a:pPr>
+            <a:r>
+              <a:rPr lang="pt-BR" sz="1800" b="0" strike="noStrike" spc="-1" dirty="0">
+                <a:solidFill>
+                  <a:srgbClr val="01498E"/>
+                </a:solidFill>
+                <a:latin typeface="Arial"/>
+                <a:ea typeface="Calibri"/>
+              </a:rPr>
+              <a:t>O que é Banco de dados?</a:t>
+            </a:r>
+            <a:endParaRPr lang="pt-BR" sz="1800" b="0" strike="noStrike" spc="-1" dirty="0">
+              <a:solidFill>
+                <a:srgbClr val="000000"/>
+              </a:solidFill>
+              <a:latin typeface="Arial"/>
+            </a:endParaRPr>
+          </a:p>
+          <a:p>
+            <a:pPr marL="432000" lvl="1" indent="-216000" algn="just">
+              <a:lnSpc>
+                <a:spcPct val="115000"/>
+              </a:lnSpc>
+              <a:buClr>
+                <a:srgbClr val="000000"/>
+              </a:buClr>
+              <a:buSzPct val="45000"/>
+              <a:buFont typeface="Wingdings" charset="2"/>
+              <a:buChar char=""/>
+            </a:pPr>
+            <a:r>
+              <a:rPr lang="pt-BR" sz="1800" b="0" strike="noStrike" spc="-1" dirty="0">
+                <a:solidFill>
+                  <a:srgbClr val="01498E"/>
+                </a:solidFill>
+                <a:latin typeface="Arial"/>
+                <a:ea typeface="Calibri"/>
+              </a:rPr>
+              <a:t>É um sistema organizado para armazenar, gerenciar e recuperar informações de forma eficiente.</a:t>
+            </a:r>
+            <a:endParaRPr lang="pt-BR" sz="1800" b="0" strike="noStrike" spc="-1" dirty="0">
+              <a:solidFill>
+                <a:srgbClr val="000000"/>
+              </a:solidFill>
+              <a:latin typeface="Arial"/>
+            </a:endParaRPr>
+          </a:p>
+          <a:p>
+            <a:pPr marL="648000" lvl="2" indent="-216000" algn="just">
+              <a:lnSpc>
+                <a:spcPct val="115000"/>
+              </a:lnSpc>
+              <a:buClr>
+                <a:srgbClr val="000000"/>
+              </a:buClr>
+              <a:buSzPct val="45000"/>
+              <a:buFont typeface="Wingdings" charset="2"/>
+              <a:buChar char=""/>
+            </a:pPr>
+            <a:r>
+              <a:rPr lang="pt-BR" sz="1800" b="0" strike="noStrike" spc="-1" dirty="0">
+                <a:solidFill>
+                  <a:srgbClr val="01498E"/>
+                </a:solidFill>
+                <a:latin typeface="Arial"/>
+                <a:ea typeface="Calibri"/>
+              </a:rPr>
+              <a:t>Tipos:</a:t>
+            </a:r>
+            <a:endParaRPr lang="pt-BR" sz="1800" b="0" strike="noStrike" spc="-1" dirty="0">
+              <a:solidFill>
+                <a:srgbClr val="000000"/>
+              </a:solidFill>
+              <a:latin typeface="Arial"/>
+            </a:endParaRPr>
+          </a:p>
+          <a:p>
+            <a:pPr marL="864000" lvl="3" indent="-216000" algn="just">
+              <a:lnSpc>
+                <a:spcPct val="115000"/>
+              </a:lnSpc>
+              <a:buClr>
+                <a:srgbClr val="000000"/>
+              </a:buClr>
+              <a:buSzPct val="45000"/>
+              <a:buFont typeface="Wingdings" charset="2"/>
+              <a:buChar char=""/>
+            </a:pPr>
+            <a:r>
+              <a:rPr lang="pt-BR" sz="1800" b="0" strike="noStrike" spc="-1" dirty="0">
+                <a:solidFill>
+                  <a:srgbClr val="01498E"/>
+                </a:solidFill>
+                <a:latin typeface="Arial"/>
+                <a:ea typeface="Calibri"/>
+              </a:rPr>
+              <a:t>Relacionais (</a:t>
+            </a:r>
+            <a:r>
+              <a:rPr lang="pt-BR" sz="1800" b="0" strike="noStrike" spc="-1" dirty="0" err="1">
+                <a:solidFill>
+                  <a:srgbClr val="01498E"/>
+                </a:solidFill>
+                <a:latin typeface="Arial"/>
+                <a:ea typeface="Calibri"/>
+              </a:rPr>
+              <a:t>ex</a:t>
+            </a:r>
+            <a:r>
+              <a:rPr lang="pt-BR" sz="1800" b="0" strike="noStrike" spc="-1" dirty="0">
+                <a:solidFill>
+                  <a:srgbClr val="01498E"/>
+                </a:solidFill>
+                <a:latin typeface="Arial"/>
+                <a:ea typeface="Calibri"/>
+              </a:rPr>
+              <a:t>: MySQL, PostgreSQL, </a:t>
+            </a:r>
+            <a:r>
+              <a:rPr lang="pt-BR" sz="1800" b="0" strike="noStrike" spc="-1" dirty="0" err="1">
+                <a:solidFill>
+                  <a:srgbClr val="01498E"/>
+                </a:solidFill>
+                <a:latin typeface="Arial"/>
+                <a:ea typeface="Calibri"/>
+              </a:rPr>
+              <a:t>sqllite</a:t>
+            </a:r>
+            <a:r>
+              <a:rPr lang="pt-BR" sz="1800" b="0" strike="noStrike" spc="-1" dirty="0">
+                <a:solidFill>
+                  <a:srgbClr val="01498E"/>
+                </a:solidFill>
+                <a:latin typeface="Arial"/>
+                <a:ea typeface="Calibri"/>
+              </a:rPr>
+              <a:t>): Armazenam dados em tabelas com relações definidas (linhas = registros; colunas = atributos).</a:t>
+            </a:r>
+            <a:endParaRPr lang="pt-BR" sz="1800" b="0" strike="noStrike" spc="-1" dirty="0">
+              <a:solidFill>
+                <a:srgbClr val="000000"/>
+              </a:solidFill>
+              <a:latin typeface="Arial"/>
+            </a:endParaRPr>
+          </a:p>
+          <a:p>
+            <a:pPr marL="864000" lvl="3" indent="-216000" algn="just">
+              <a:lnSpc>
+                <a:spcPct val="115000"/>
+              </a:lnSpc>
+              <a:buClr>
+                <a:srgbClr val="000000"/>
+              </a:buClr>
+              <a:buSzPct val="45000"/>
+              <a:buFont typeface="Wingdings" charset="2"/>
+              <a:buChar char=""/>
+            </a:pPr>
+            <a:r>
+              <a:rPr lang="pt-BR" sz="1800" b="0" strike="noStrike" spc="-1" dirty="0">
+                <a:solidFill>
+                  <a:srgbClr val="01498E"/>
+                </a:solidFill>
+                <a:latin typeface="Arial"/>
+                <a:ea typeface="Calibri"/>
+              </a:rPr>
+              <a:t>Não relacionais (</a:t>
+            </a:r>
+            <a:r>
+              <a:rPr lang="pt-BR" sz="1800" b="0" strike="noStrike" spc="-1" dirty="0" err="1">
+                <a:solidFill>
+                  <a:srgbClr val="01498E"/>
+                </a:solidFill>
+                <a:latin typeface="Arial"/>
+                <a:ea typeface="Calibri"/>
+              </a:rPr>
+              <a:t>ex</a:t>
+            </a:r>
+            <a:r>
+              <a:rPr lang="pt-BR" sz="1800" b="0" strike="noStrike" spc="-1" dirty="0">
+                <a:solidFill>
+                  <a:srgbClr val="01498E"/>
+                </a:solidFill>
+                <a:latin typeface="Arial"/>
+                <a:ea typeface="Calibri"/>
+              </a:rPr>
+              <a:t>: </a:t>
+            </a:r>
+            <a:r>
+              <a:rPr lang="pt-BR" sz="1800" b="0" strike="noStrike" spc="-1" dirty="0" err="1">
+                <a:solidFill>
+                  <a:srgbClr val="01498E"/>
+                </a:solidFill>
+                <a:latin typeface="Arial"/>
+                <a:ea typeface="Calibri"/>
+              </a:rPr>
+              <a:t>MongoDB</a:t>
+            </a:r>
+            <a:r>
+              <a:rPr lang="pt-BR" sz="1800" b="0" strike="noStrike" spc="-1" dirty="0">
+                <a:solidFill>
+                  <a:srgbClr val="01498E"/>
+                </a:solidFill>
+                <a:latin typeface="Arial"/>
+                <a:ea typeface="Calibri"/>
+              </a:rPr>
+              <a:t>, Redis): Flexíveis, sem esquema fixo (documentos, chave-valor, grafos).</a:t>
+            </a:r>
+            <a:endParaRPr lang="pt-BR" sz="1800" b="0" strike="noStrike" spc="-1" dirty="0">
+              <a:solidFill>
+                <a:srgbClr val="000000"/>
+              </a:solidFill>
+              <a:latin typeface="Arial"/>
+            </a:endParaRPr>
+          </a:p>
+          <a:p>
+            <a:pPr marL="432000" lvl="1" indent="-216000" algn="just">
+              <a:lnSpc>
+                <a:spcPct val="115000"/>
+              </a:lnSpc>
+              <a:buClr>
+                <a:srgbClr val="000000"/>
+              </a:buClr>
+              <a:buSzPct val="45000"/>
+              <a:buFont typeface="Wingdings" charset="2"/>
+              <a:buChar char=""/>
+            </a:pPr>
+            <a:r>
+              <a:rPr lang="pt-BR" sz="1800" b="0" strike="noStrike" spc="-1" dirty="0">
+                <a:solidFill>
+                  <a:srgbClr val="01498E"/>
+                </a:solidFill>
+                <a:latin typeface="Arial"/>
+                <a:ea typeface="Calibri"/>
+              </a:rPr>
+              <a:t>Vantagens: Escalabilidade, Segurança, integridade dos dados e consultas estruturadas.</a:t>
+            </a:r>
+            <a:endParaRPr lang="pt-BR" sz="1800" b="0" strike="noStrike" spc="-1" dirty="0">
+              <a:solidFill>
+                <a:srgbClr val="000000"/>
+              </a:solidFill>
+              <a:latin typeface="Arial"/>
+            </a:endParaRPr>
+          </a:p>
+          <a:p>
+            <a:pPr algn="just">
+              <a:lnSpc>
+                <a:spcPct val="115000"/>
+              </a:lnSpc>
+            </a:pPr>
+            <a:endParaRPr lang="pt-BR" sz="1800" b="0" strike="noStrike" spc="-1" dirty="0">
+              <a:solidFill>
+                <a:srgbClr val="000000"/>
+              </a:solidFill>
+              <a:latin typeface="Arial"/>
+            </a:endParaRPr>
+          </a:p>
+          <a:p>
+            <a:pPr marL="216000" algn="just">
+              <a:lnSpc>
+                <a:spcPct val="115000"/>
+              </a:lnSpc>
+            </a:pPr>
+            <a:endParaRPr lang="pt-BR" sz="1800" b="0" strike="noStrike" spc="-1" dirty="0">
+              <a:solidFill>
+                <a:srgbClr val="000000"/>
+              </a:solidFill>
+              <a:latin typeface="Arial"/>
+            </a:endParaRPr>
+          </a:p>
+          <a:p>
+            <a:pPr marL="216000" algn="just">
+              <a:lnSpc>
+                <a:spcPct val="115000"/>
+              </a:lnSpc>
+            </a:pPr>
+            <a:endParaRPr lang="pt-BR" sz="1800" b="0" strike="noStrike" spc="-1" dirty="0">
+              <a:solidFill>
+                <a:srgbClr val="000000"/>
+              </a:solidFill>
+              <a:latin typeface="Arial"/>
+            </a:endParaRPr>
+          </a:p>
+          <a:p>
+            <a:pPr marL="216000" algn="just">
+              <a:lnSpc>
+                <a:spcPct val="115000"/>
+              </a:lnSpc>
+            </a:pPr>
+            <a:endParaRPr lang="pt-BR" sz="1800" b="0" strike="noStrike" spc="-1" dirty="0">
+              <a:solidFill>
+                <a:srgbClr val="000000"/>
+              </a:solidFill>
+              <a:latin typeface="Arial"/>
+            </a:endParaRPr>
+          </a:p>
+          <a:p>
+            <a:pPr marL="216000" algn="just">
+              <a:lnSpc>
+                <a:spcPct val="115000"/>
+              </a:lnSpc>
+            </a:pPr>
+            <a:endParaRPr lang="pt-BR" sz="1800" b="0" strike="noStrike" spc="-1" dirty="0">
+              <a:solidFill>
+                <a:srgbClr val="000000"/>
+              </a:solidFill>
+              <a:latin typeface="Arial"/>
+            </a:endParaRPr>
+          </a:p>
+          <a:p>
+            <a:pPr marL="216000" algn="just">
+              <a:lnSpc>
+                <a:spcPct val="115000"/>
+              </a:lnSpc>
+            </a:pPr>
+            <a:endParaRPr lang="pt-BR" sz="1800" b="0" strike="noStrike" spc="-1" dirty="0">
+              <a:solidFill>
+                <a:srgbClr val="000000"/>
+              </a:solidFill>
+              <a:latin typeface="Arial"/>
+            </a:endParaRPr>
+          </a:p>
+        </p:txBody>
+      </p:sp>
     </p:spTree>
   </p:cSld>
   <p:clrMapOvr>
@@ -7075,7 +7850,7 @@
 </p:sld>
 </file>
 
-<file path=ppt/slides/slide12.xml><?xml version="1.0" encoding="utf-8"?>
+<file path=ppt/slides/slide4.xml><?xml version="1.0" encoding="utf-8"?>
 <p:sld xmlns:a="http://schemas.openxmlformats.org/drawingml/2006/main" xmlns:r="http://schemas.openxmlformats.org/officeDocument/2006/relationships" xmlns:p="http://schemas.openxmlformats.org/presentationml/2006/main">
   <p:cSld>
     <p:spTree>
@@ -7094,14 +7869,14 @@
       </p:grpSpPr>
       <p:sp>
         <p:nvSpPr>
-          <p:cNvPr id="192" name="Título 2"/>
+          <p:cNvPr id="185" name="Título 13"/>
           <p:cNvSpPr/>
           <p:nvPr/>
         </p:nvSpPr>
         <p:spPr>
           <a:xfrm>
             <a:off x="291960" y="189000"/>
-            <a:ext cx="7480080" cy="899640"/>
+            <a:ext cx="7479000" cy="898560"/>
           </a:xfrm>
           <a:prstGeom prst="rect">
             <a:avLst/>
@@ -7135,16 +7910,16 @@
               </a:lnSpc>
             </a:pPr>
             <a:r>
-              <a:rPr lang="pt-BR" sz="4200" b="1" strike="noStrike" spc="-1">
+              <a:rPr lang="pt-BR" sz="5400" b="1" strike="noStrike" spc="-1">
                 <a:solidFill>
                   <a:srgbClr val="002060"/>
                 </a:solidFill>
                 <a:latin typeface="Overpass"/>
                 <a:ea typeface="Overpass"/>
               </a:rPr>
-              <a:t>Boa noite! </a:t>
-            </a:r>
-            <a:endParaRPr lang="pt-BR" sz="4200" b="0" strike="noStrike" spc="-1">
+              <a:t>SQL </a:t>
+            </a:r>
+            <a:endParaRPr lang="pt-BR" sz="5400" b="0" strike="noStrike" spc="-1">
               <a:solidFill>
                 <a:srgbClr val="000000"/>
               </a:solidFill>
@@ -7157,25 +7932,49 @@
                 <a:spcPct val="100000"/>
               </a:lnSpc>
             </a:pPr>
-            <a:endParaRPr lang="pt-BR" sz="4200" b="0" strike="noStrike" spc="-1">
-              <a:solidFill>
-                <a:srgbClr val="000000"/>
-              </a:solidFill>
-              <a:latin typeface="Arial"/>
-            </a:endParaRPr>
-          </a:p>
-        </p:txBody>
-      </p:sp>
-      <p:sp>
-        <p:nvSpPr>
-          <p:cNvPr id="193" name="CaixaDeTexto 2"/>
+            <a:endParaRPr lang="pt-BR" sz="5400" b="0" strike="noStrike" spc="-1">
+              <a:solidFill>
+                <a:srgbClr val="000000"/>
+              </a:solidFill>
+              <a:latin typeface="Arial"/>
+            </a:endParaRPr>
+          </a:p>
+        </p:txBody>
+      </p:sp>
+      <p:pic>
+        <p:nvPicPr>
+          <p:cNvPr id="186" name="Imagem 19"/>
+          <p:cNvPicPr/>
+          <p:nvPr/>
+        </p:nvPicPr>
+        <p:blipFill>
+          <a:blip r:embed="rId2"/>
+          <a:srcRect b="20507"/>
+          <a:stretch/>
+        </p:blipFill>
+        <p:spPr>
+          <a:xfrm>
+            <a:off x="8100720" y="900720"/>
+            <a:ext cx="2141280" cy="3602160"/>
+          </a:xfrm>
+          <a:prstGeom prst="rect">
+            <a:avLst/>
+          </a:prstGeom>
+          <a:ln w="0">
+            <a:noFill/>
+          </a:ln>
+        </p:spPr>
+      </p:pic>
+      <p:sp>
+        <p:nvSpPr>
+          <p:cNvPr id="187" name="CaixaDeTexto 13"/>
           <p:cNvSpPr/>
           <p:nvPr/>
         </p:nvSpPr>
         <p:spPr>
-          <a:xfrm rot="7200">
-            <a:off x="290520" y="1150200"/>
-            <a:ext cx="6188040" cy="928800"/>
+          <a:xfrm>
+            <a:off x="291960" y="1113480"/>
+            <a:ext cx="7692480" cy="4820760"/>
           </a:xfrm>
           <a:prstGeom prst="rect">
             <a:avLst/>
@@ -7214,74 +8013,319 @@
               <a:buChar char="●"/>
             </a:pPr>
             <a:r>
-              <a:rPr lang="pt-BR" sz="1600" b="0" strike="noStrike" spc="-1">
+              <a:rPr lang="pt-BR" sz="1800" b="0" strike="noStrike" spc="-1" dirty="0">
                 <a:solidFill>
                   <a:srgbClr val="01498E"/>
                 </a:solidFill>
                 <a:latin typeface="Arial"/>
                 <a:ea typeface="Calibri"/>
               </a:rPr>
-              <a:t>Favor salvar o conteúdo de hoje pois vamos utilizar. </a:t>
-            </a:r>
-            <a:endParaRPr lang="pt-BR" sz="1600" b="0" strike="noStrike" spc="-1">
-              <a:solidFill>
-                <a:srgbClr val="000000"/>
-              </a:solidFill>
-              <a:latin typeface="Arial"/>
-            </a:endParaRPr>
-          </a:p>
-          <a:p>
-            <a:pPr algn="just">
+              <a:t>SQL é a linguagem padrão para interagir com bancos de dados relacionais.</a:t>
+            </a:r>
+            <a:endParaRPr lang="pt-BR" sz="1800" b="0" strike="noStrike" spc="-1" dirty="0">
+              <a:solidFill>
+                <a:srgbClr val="000000"/>
+              </a:solidFill>
+              <a:latin typeface="Arial"/>
+            </a:endParaRPr>
+          </a:p>
+          <a:p>
+            <a:pPr marL="216000" indent="-216000" algn="just">
               <a:lnSpc>
                 <a:spcPct val="115000"/>
               </a:lnSpc>
-            </a:pPr>
-            <a:endParaRPr lang="pt-BR" sz="1600" b="0" strike="noStrike" spc="-1">
-              <a:solidFill>
-                <a:srgbClr val="000000"/>
-              </a:solidFill>
-              <a:latin typeface="Arial"/>
-            </a:endParaRPr>
-          </a:p>
-          <a:p>
-            <a:pPr algn="just">
+              <a:buClr>
+                <a:srgbClr val="000000"/>
+              </a:buClr>
+              <a:buFont typeface="Arial"/>
+              <a:buChar char="●"/>
+            </a:pPr>
+            <a:r>
+              <a:rPr lang="pt-BR" sz="1800" b="0" strike="noStrike" spc="-1" dirty="0">
+                <a:solidFill>
+                  <a:srgbClr val="01498E"/>
+                </a:solidFill>
+                <a:latin typeface="Arial"/>
+                <a:ea typeface="Calibri"/>
+              </a:rPr>
+              <a:t>Operações Básicas (CRUD):</a:t>
+            </a:r>
+            <a:endParaRPr lang="pt-BR" sz="1800" b="0" strike="noStrike" spc="-1" dirty="0">
+              <a:solidFill>
+                <a:srgbClr val="000000"/>
+              </a:solidFill>
+              <a:latin typeface="Arial"/>
+            </a:endParaRPr>
+          </a:p>
+          <a:p>
+            <a:pPr marL="432000" lvl="1" indent="-216000" algn="just">
               <a:lnSpc>
                 <a:spcPct val="115000"/>
               </a:lnSpc>
-            </a:pPr>
-            <a:endParaRPr lang="pt-BR" sz="1600" b="0" strike="noStrike" spc="-1">
-              <a:solidFill>
-                <a:srgbClr val="000000"/>
-              </a:solidFill>
-              <a:latin typeface="Arial"/>
-            </a:endParaRPr>
-          </a:p>
-        </p:txBody>
-      </p:sp>
-      <p:pic>
-        <p:nvPicPr>
-          <p:cNvPr id="194" name="Imagem 11"/>
-          <p:cNvPicPr/>
-          <p:nvPr/>
-        </p:nvPicPr>
-        <p:blipFill>
-          <a:blip r:embed="rId2"/>
-          <a:srcRect b="20507"/>
-          <a:stretch/>
-        </p:blipFill>
-        <p:spPr>
-          <a:xfrm>
-            <a:off x="8071560" y="316800"/>
-            <a:ext cx="2142360" cy="3603240"/>
-          </a:xfrm>
-          <a:prstGeom prst="rect">
-            <a:avLst/>
-          </a:prstGeom>
-          <a:ln w="0">
-            <a:noFill/>
-          </a:ln>
-        </p:spPr>
-      </p:pic>
+              <a:buClr>
+                <a:srgbClr val="000000"/>
+              </a:buClr>
+              <a:buSzPct val="45000"/>
+              <a:buFont typeface="Wingdings" charset="2"/>
+              <a:buChar char=""/>
+            </a:pPr>
+            <a:r>
+              <a:rPr lang="pt-BR" sz="1800" b="0" strike="noStrike" spc="-1" dirty="0">
+                <a:solidFill>
+                  <a:srgbClr val="01498E"/>
+                </a:solidFill>
+                <a:latin typeface="Arial"/>
+                <a:ea typeface="Calibri"/>
+              </a:rPr>
+              <a:t>CREATE: INSERT INTO tabela (coluna) VALUES (valor);</a:t>
+            </a:r>
+            <a:endParaRPr lang="pt-BR" sz="1800" b="0" strike="noStrike" spc="-1" dirty="0">
+              <a:solidFill>
+                <a:srgbClr val="000000"/>
+              </a:solidFill>
+              <a:latin typeface="Arial"/>
+            </a:endParaRPr>
+          </a:p>
+          <a:p>
+            <a:pPr marL="432000" lvl="1" indent="-216000" algn="just">
+              <a:lnSpc>
+                <a:spcPct val="115000"/>
+              </a:lnSpc>
+              <a:buClr>
+                <a:srgbClr val="000000"/>
+              </a:buClr>
+              <a:buSzPct val="45000"/>
+              <a:buFont typeface="Wingdings" charset="2"/>
+              <a:buChar char=""/>
+            </a:pPr>
+            <a:r>
+              <a:rPr lang="pt-BR" sz="1800" b="0" strike="noStrike" spc="-1" dirty="0">
+                <a:solidFill>
+                  <a:srgbClr val="01498E"/>
+                </a:solidFill>
+                <a:latin typeface="Arial"/>
+                <a:ea typeface="Calibri"/>
+              </a:rPr>
+              <a:t>READ: SELECT * FROM tabela WHERE condição;</a:t>
+            </a:r>
+            <a:endParaRPr lang="pt-BR" sz="1800" b="0" strike="noStrike" spc="-1" dirty="0">
+              <a:solidFill>
+                <a:srgbClr val="000000"/>
+              </a:solidFill>
+              <a:latin typeface="Arial"/>
+            </a:endParaRPr>
+          </a:p>
+          <a:p>
+            <a:pPr marL="432000" lvl="1" indent="-216000" algn="just">
+              <a:lnSpc>
+                <a:spcPct val="115000"/>
+              </a:lnSpc>
+              <a:buClr>
+                <a:srgbClr val="000000"/>
+              </a:buClr>
+              <a:buSzPct val="45000"/>
+              <a:buFont typeface="Wingdings" charset="2"/>
+              <a:buChar char=""/>
+            </a:pPr>
+            <a:r>
+              <a:rPr lang="pt-BR" sz="1800" b="0" strike="noStrike" spc="-1" dirty="0">
+                <a:solidFill>
+                  <a:srgbClr val="01498E"/>
+                </a:solidFill>
+                <a:latin typeface="Arial"/>
+                <a:ea typeface="Calibri"/>
+              </a:rPr>
+              <a:t>UPDATE: UPDATE tabela SET coluna = valor WHERE condição;</a:t>
+            </a:r>
+            <a:endParaRPr lang="pt-BR" sz="1800" b="0" strike="noStrike" spc="-1" dirty="0">
+              <a:solidFill>
+                <a:srgbClr val="000000"/>
+              </a:solidFill>
+              <a:latin typeface="Arial"/>
+            </a:endParaRPr>
+          </a:p>
+          <a:p>
+            <a:pPr marL="432000" lvl="1" indent="-216000" algn="just">
+              <a:lnSpc>
+                <a:spcPct val="115000"/>
+              </a:lnSpc>
+              <a:buClr>
+                <a:srgbClr val="000000"/>
+              </a:buClr>
+              <a:buSzPct val="45000"/>
+              <a:buFont typeface="Wingdings" charset="2"/>
+              <a:buChar char=""/>
+            </a:pPr>
+            <a:r>
+              <a:rPr lang="pt-BR" sz="1800" b="0" strike="noStrike" spc="-1" dirty="0">
+                <a:solidFill>
+                  <a:srgbClr val="01498E"/>
+                </a:solidFill>
+                <a:latin typeface="Arial"/>
+                <a:ea typeface="Calibri"/>
+              </a:rPr>
+              <a:t>DELETE: DELETE FROM tabela WHERE condição;</a:t>
+            </a:r>
+            <a:endParaRPr lang="pt-BR" sz="1800" b="0" strike="noStrike" spc="-1" dirty="0">
+              <a:solidFill>
+                <a:srgbClr val="000000"/>
+              </a:solidFill>
+              <a:latin typeface="Arial"/>
+            </a:endParaRPr>
+          </a:p>
+          <a:p>
+            <a:pPr marL="216000" indent="-216000" algn="just">
+              <a:lnSpc>
+                <a:spcPct val="115000"/>
+              </a:lnSpc>
+              <a:buClr>
+                <a:srgbClr val="000000"/>
+              </a:buClr>
+              <a:buFont typeface="Arial"/>
+              <a:buChar char="●"/>
+            </a:pPr>
+            <a:r>
+              <a:rPr lang="pt-BR" sz="1800" b="0" strike="noStrike" spc="-1" dirty="0">
+                <a:solidFill>
+                  <a:srgbClr val="01498E"/>
+                </a:solidFill>
+                <a:latin typeface="Arial"/>
+                <a:ea typeface="Calibri"/>
+              </a:rPr>
+              <a:t>Características</a:t>
+            </a:r>
+            <a:endParaRPr lang="pt-BR" sz="1800" b="0" strike="noStrike" spc="-1" dirty="0">
+              <a:solidFill>
+                <a:srgbClr val="000000"/>
+              </a:solidFill>
+              <a:latin typeface="Arial"/>
+            </a:endParaRPr>
+          </a:p>
+          <a:p>
+            <a:pPr marL="432000" lvl="1" indent="-216000" algn="just">
+              <a:lnSpc>
+                <a:spcPct val="115000"/>
+              </a:lnSpc>
+              <a:buClr>
+                <a:srgbClr val="000000"/>
+              </a:buClr>
+              <a:buSzPct val="45000"/>
+              <a:buFont typeface="Wingdings" charset="2"/>
+              <a:buChar char=""/>
+            </a:pPr>
+            <a:r>
+              <a:rPr lang="pt-BR" sz="1800" b="0" strike="noStrike" spc="-1" dirty="0">
+                <a:solidFill>
+                  <a:srgbClr val="01498E"/>
+                </a:solidFill>
+                <a:latin typeface="Arial"/>
+                <a:ea typeface="Calibri"/>
+              </a:rPr>
+              <a:t>Sintaxe declarativa (diz "o quê" fazer, não "como").</a:t>
+            </a:r>
+            <a:endParaRPr lang="pt-BR" sz="1800" b="0" strike="noStrike" spc="-1" dirty="0">
+              <a:solidFill>
+                <a:srgbClr val="000000"/>
+              </a:solidFill>
+              <a:latin typeface="Arial"/>
+            </a:endParaRPr>
+          </a:p>
+          <a:p>
+            <a:pPr marL="432000" lvl="1" indent="-216000" algn="just">
+              <a:lnSpc>
+                <a:spcPct val="115000"/>
+              </a:lnSpc>
+              <a:buClr>
+                <a:srgbClr val="000000"/>
+              </a:buClr>
+              <a:buSzPct val="45000"/>
+              <a:buFont typeface="Wingdings" charset="2"/>
+              <a:buChar char=""/>
+            </a:pPr>
+            <a:r>
+              <a:rPr lang="pt-BR" sz="1800" b="0" strike="noStrike" spc="-1" dirty="0">
+                <a:solidFill>
+                  <a:srgbClr val="01498E"/>
+                </a:solidFill>
+                <a:latin typeface="Arial"/>
+                <a:ea typeface="Calibri"/>
+              </a:rPr>
+              <a:t>Suporta definição de esquemas, restrições e transações (ACID).</a:t>
+            </a:r>
+            <a:endParaRPr lang="pt-BR" sz="1800" b="0" strike="noStrike" spc="-1" dirty="0">
+              <a:solidFill>
+                <a:srgbClr val="000000"/>
+              </a:solidFill>
+              <a:latin typeface="Arial"/>
+            </a:endParaRPr>
+          </a:p>
+          <a:p>
+            <a:pPr marL="216000" algn="just">
+              <a:lnSpc>
+                <a:spcPct val="115000"/>
+              </a:lnSpc>
+            </a:pPr>
+            <a:endParaRPr lang="pt-BR" sz="1800" b="0" strike="noStrike" spc="-1" dirty="0">
+              <a:solidFill>
+                <a:srgbClr val="000000"/>
+              </a:solidFill>
+              <a:latin typeface="Arial"/>
+            </a:endParaRPr>
+          </a:p>
+          <a:p>
+            <a:pPr marL="216000" algn="just">
+              <a:lnSpc>
+                <a:spcPct val="115000"/>
+              </a:lnSpc>
+            </a:pPr>
+            <a:endParaRPr lang="pt-BR" sz="1800" b="0" strike="noStrike" spc="-1" dirty="0">
+              <a:solidFill>
+                <a:srgbClr val="000000"/>
+              </a:solidFill>
+              <a:latin typeface="Arial"/>
+            </a:endParaRPr>
+          </a:p>
+          <a:p>
+            <a:pPr marL="216000" algn="just">
+              <a:lnSpc>
+                <a:spcPct val="115000"/>
+              </a:lnSpc>
+            </a:pPr>
+            <a:endParaRPr lang="pt-BR" sz="1800" b="0" strike="noStrike" spc="-1" dirty="0">
+              <a:solidFill>
+                <a:srgbClr val="000000"/>
+              </a:solidFill>
+              <a:latin typeface="Arial"/>
+            </a:endParaRPr>
+          </a:p>
+          <a:p>
+            <a:pPr marL="216000" algn="just">
+              <a:lnSpc>
+                <a:spcPct val="115000"/>
+              </a:lnSpc>
+            </a:pPr>
+            <a:endParaRPr lang="pt-BR" sz="1800" b="0" strike="noStrike" spc="-1" dirty="0">
+              <a:solidFill>
+                <a:srgbClr val="000000"/>
+              </a:solidFill>
+              <a:latin typeface="Arial"/>
+            </a:endParaRPr>
+          </a:p>
+          <a:p>
+            <a:pPr marL="216000" algn="just">
+              <a:lnSpc>
+                <a:spcPct val="115000"/>
+              </a:lnSpc>
+            </a:pPr>
+            <a:endParaRPr lang="pt-BR" sz="1800" b="0" strike="noStrike" spc="-1" dirty="0">
+              <a:solidFill>
+                <a:srgbClr val="000000"/>
+              </a:solidFill>
+              <a:latin typeface="Arial"/>
+            </a:endParaRPr>
+          </a:p>
+        </p:txBody>
+      </p:sp>
     </p:spTree>
   </p:cSld>
   <p:clrMapOvr>
@@ -7290,18 +8334,12 @@
 </p:sld>
 </file>
 
-<file path=ppt/slides/slide2.xml><?xml version="1.0" encoding="utf-8"?>
+<file path=ppt/slides/slide5.xml><?xml version="1.0" encoding="utf-8"?>
 <p:sld xmlns:a="http://schemas.openxmlformats.org/drawingml/2006/main" xmlns:r="http://schemas.openxmlformats.org/officeDocument/2006/relationships" xmlns:p="http://schemas.openxmlformats.org/presentationml/2006/main">
   <p:cSld>
     <p:spTree>
       <p:nvGrpSpPr>
-        <p:cNvPr id="1" name="">
-          <a:extLst>
-            <a:ext uri="{FF2B5EF4-FFF2-40B4-BE49-F238E27FC236}">
-              <a16:creationId xmlns:a16="http://schemas.microsoft.com/office/drawing/2014/main" id="{F706968D-B05D-FC13-3E35-2BE0FB75FFC0}"/>
-            </a:ext>
-          </a:extLst>
-        </p:cNvPr>
+        <p:cNvPr id="1" name=""/>
         <p:cNvGrpSpPr/>
         <p:nvPr/>
       </p:nvGrpSpPr>
@@ -7315,20 +8353,14 @@
       </p:grpSpPr>
       <p:sp>
         <p:nvSpPr>
-          <p:cNvPr id="134" name="Título 22">
-            <a:extLst>
-              <a:ext uri="{FF2B5EF4-FFF2-40B4-BE49-F238E27FC236}">
-                <a16:creationId xmlns:a16="http://schemas.microsoft.com/office/drawing/2014/main" id="{96BC91F2-1134-C65E-8A13-29DD83BF2449}"/>
-              </a:ext>
-            </a:extLst>
-          </p:cNvPr>
+          <p:cNvPr id="188" name="Título 14"/>
           <p:cNvSpPr/>
           <p:nvPr/>
         </p:nvSpPr>
         <p:spPr>
           <a:xfrm>
             <a:off x="291960" y="189000"/>
-            <a:ext cx="7478280" cy="897840"/>
+            <a:ext cx="7479000" cy="898560"/>
           </a:xfrm>
           <a:prstGeom prst="rect">
             <a:avLst/>
@@ -7362,16 +8394,29 @@
               </a:lnSpc>
             </a:pPr>
             <a:r>
-              <a:rPr lang="pt-BR" sz="4000" b="1" strike="noStrike" spc="-1" dirty="0">
+              <a:rPr lang="pt-BR" sz="5400" b="1" strike="noStrike" spc="-1">
                 <a:solidFill>
                   <a:srgbClr val="002060"/>
                 </a:solidFill>
                 <a:latin typeface="Overpass"/>
                 <a:ea typeface="Overpass"/>
               </a:rPr>
-              <a:t>Levantamento de Requisitos </a:t>
-            </a:r>
-            <a:endParaRPr lang="pt-BR" sz="5400" b="0" strike="noStrike" spc="-1" dirty="0">
+              <a:t>SQL </a:t>
+            </a:r>
+            <a:endParaRPr lang="pt-BR" sz="5400" b="0" strike="noStrike" spc="-1">
+              <a:solidFill>
+                <a:srgbClr val="000000"/>
+              </a:solidFill>
+              <a:latin typeface="Arial"/>
+            </a:endParaRPr>
+          </a:p>
+          <a:p>
+            <a:pPr>
+              <a:lnSpc>
+                <a:spcPct val="100000"/>
+              </a:lnSpc>
+            </a:pPr>
+            <a:endParaRPr lang="pt-BR" sz="5400" b="0" strike="noStrike" spc="-1">
               <a:solidFill>
                 <a:srgbClr val="000000"/>
               </a:solidFill>
@@ -7382,13 +8427,7 @@
       </p:sp>
       <p:pic>
         <p:nvPicPr>
-          <p:cNvPr id="135" name="Imagem 9">
-            <a:extLst>
-              <a:ext uri="{FF2B5EF4-FFF2-40B4-BE49-F238E27FC236}">
-                <a16:creationId xmlns:a16="http://schemas.microsoft.com/office/drawing/2014/main" id="{C21222C5-7BB6-45D3-5115-3325C801966F}"/>
-              </a:ext>
-            </a:extLst>
-          </p:cNvPr>
+          <p:cNvPr id="189" name="Imagem 20"/>
           <p:cNvPicPr/>
           <p:nvPr/>
         </p:nvPicPr>
@@ -7400,7 +8439,7 @@
         <p:spPr>
           <a:xfrm>
             <a:off x="8100720" y="900720"/>
-            <a:ext cx="2140560" cy="3601440"/>
+            <a:ext cx="2141280" cy="3602160"/>
           </a:xfrm>
           <a:prstGeom prst="rect">
             <a:avLst/>
@@ -7412,20 +8451,14 @@
       </p:pic>
       <p:sp>
         <p:nvSpPr>
-          <p:cNvPr id="136" name="CaixaDeTexto 9">
-            <a:extLst>
-              <a:ext uri="{FF2B5EF4-FFF2-40B4-BE49-F238E27FC236}">
-                <a16:creationId xmlns:a16="http://schemas.microsoft.com/office/drawing/2014/main" id="{61E97A09-1305-72DB-4D02-46F254FD770C}"/>
-              </a:ext>
-            </a:extLst>
-          </p:cNvPr>
+          <p:cNvPr id="190" name="CaixaDeTexto 14"/>
           <p:cNvSpPr/>
           <p:nvPr/>
         </p:nvSpPr>
         <p:spPr>
           <a:xfrm>
             <a:off x="291960" y="1113480"/>
-            <a:ext cx="7691760" cy="1338015"/>
+            <a:ext cx="7692480" cy="4504680"/>
           </a:xfrm>
           <a:prstGeom prst="rect">
             <a:avLst/>
@@ -7464,158 +8497,272 @@
               <a:buChar char="●"/>
             </a:pPr>
             <a:r>
-              <a:rPr lang="pt-BR" sz="1800" b="0" strike="noStrike" spc="-1" dirty="0">
+              <a:rPr lang="pt-BR" sz="1800" b="0" strike="noStrike" spc="-1">
                 <a:solidFill>
                   <a:srgbClr val="01498E"/>
                 </a:solidFill>
                 <a:latin typeface="Arial"/>
                 <a:ea typeface="Calibri"/>
               </a:rPr>
-              <a:t>O que é?</a:t>
-            </a:r>
-            <a:endParaRPr lang="pt-BR" b="0" strike="noStrike" spc="-1" dirty="0">
-              <a:solidFill>
-                <a:srgbClr val="000000"/>
-              </a:solidFill>
-              <a:latin typeface="Arial"/>
-            </a:endParaRPr>
-          </a:p>
-          <a:p>
-            <a:pPr algn="just">
+              <a:t>Flask-SQLAlchemy é uma extensão do framework Flask que integra o SQLAlchemy (ORM - Object-Relational Mapping) para simplificar o trabalho com bancos de dados.</a:t>
+            </a:r>
+            <a:endParaRPr lang="pt-BR" sz="1800" b="0" strike="noStrike" spc="-1">
+              <a:solidFill>
+                <a:srgbClr val="000000"/>
+              </a:solidFill>
+              <a:latin typeface="Arial"/>
+            </a:endParaRPr>
+          </a:p>
+          <a:p>
+            <a:pPr marL="216000" indent="-216000" algn="just">
               <a:lnSpc>
                 <a:spcPct val="115000"/>
               </a:lnSpc>
-            </a:pPr>
-            <a:endParaRPr lang="pt-BR" sz="1800" b="0" strike="noStrike" spc="-1" dirty="0">
-              <a:solidFill>
-                <a:srgbClr val="000000"/>
-              </a:solidFill>
-              <a:latin typeface="Arial"/>
-            </a:endParaRPr>
-          </a:p>
-          <a:p>
-            <a:pPr algn="just">
+              <a:buClr>
+                <a:srgbClr val="000000"/>
+              </a:buClr>
+              <a:buFont typeface="Arial"/>
+              <a:buChar char="●"/>
+            </a:pPr>
+            <a:r>
+              <a:rPr lang="pt-BR" sz="1800" b="0" strike="noStrike" spc="-1">
+                <a:solidFill>
+                  <a:srgbClr val="01498E"/>
+                </a:solidFill>
+                <a:latin typeface="Arial"/>
+                <a:ea typeface="Calibri"/>
+              </a:rPr>
+              <a:t>ORM: Mapeia tabelas para classes Py e registros para objetos.</a:t>
+            </a:r>
+            <a:endParaRPr lang="pt-BR" sz="1800" b="0" strike="noStrike" spc="-1">
+              <a:solidFill>
+                <a:srgbClr val="000000"/>
+              </a:solidFill>
+              <a:latin typeface="Arial"/>
+            </a:endParaRPr>
+          </a:p>
+          <a:p>
+            <a:pPr marL="432000" lvl="1" indent="-216000" algn="just">
               <a:lnSpc>
                 <a:spcPct val="115000"/>
               </a:lnSpc>
-            </a:pPr>
-            <a:endParaRPr lang="pt-BR" sz="1800" b="0" strike="noStrike" spc="-1" dirty="0">
-              <a:solidFill>
-                <a:srgbClr val="000000"/>
-              </a:solidFill>
-              <a:latin typeface="Arial"/>
-            </a:endParaRPr>
-          </a:p>
-          <a:p>
-            <a:pPr algn="just">
+              <a:buClr>
+                <a:srgbClr val="000000"/>
+              </a:buClr>
+              <a:buSzPct val="45000"/>
+              <a:buFont typeface="Wingdings" charset="2"/>
+              <a:buChar char=""/>
+            </a:pPr>
+            <a:r>
+              <a:rPr lang="pt-BR" sz="1800" b="0" strike="noStrike" spc="-1">
+                <a:solidFill>
+                  <a:srgbClr val="01498E"/>
+                </a:solidFill>
+                <a:latin typeface="Arial"/>
+                <a:ea typeface="Calibri"/>
+              </a:rPr>
+              <a:t>Exemplo:</a:t>
+            </a:r>
+            <a:endParaRPr lang="pt-BR" sz="1800" b="0" strike="noStrike" spc="-1">
+              <a:solidFill>
+                <a:srgbClr val="000000"/>
+              </a:solidFill>
+              <a:latin typeface="Arial"/>
+            </a:endParaRPr>
+          </a:p>
+          <a:p>
+            <a:pPr marL="432000" lvl="1" indent="-216000" algn="just">
               <a:lnSpc>
                 <a:spcPct val="115000"/>
               </a:lnSpc>
-            </a:pPr>
-            <a:endParaRPr lang="pt-BR" sz="1800" b="0" strike="noStrike" spc="-1" dirty="0">
-              <a:solidFill>
-                <a:srgbClr val="000000"/>
-              </a:solidFill>
-              <a:latin typeface="Arial"/>
-            </a:endParaRPr>
-          </a:p>
-        </p:txBody>
-      </p:sp>
-    </p:spTree>
-    <p:extLst>
-      <p:ext uri="{BB962C8B-B14F-4D97-AF65-F5344CB8AC3E}">
-        <p14:creationId xmlns:p14="http://schemas.microsoft.com/office/powerpoint/2010/main" val="3035447110"/>
-      </p:ext>
-    </p:extLst>
-  </p:cSld>
-  <p:clrMapOvr>
-    <a:masterClrMapping/>
-  </p:clrMapOvr>
-</p:sld>
-</file>
-
-<file path=ppt/slides/slide3.xml><?xml version="1.0" encoding="utf-8"?>
-<p:sld xmlns:a="http://schemas.openxmlformats.org/drawingml/2006/main" xmlns:r="http://schemas.openxmlformats.org/officeDocument/2006/relationships" xmlns:p="http://schemas.openxmlformats.org/presentationml/2006/main">
-  <p:cSld>
-    <p:spTree>
-      <p:nvGrpSpPr>
-        <p:cNvPr id="1" name="">
-          <a:extLst>
-            <a:ext uri="{FF2B5EF4-FFF2-40B4-BE49-F238E27FC236}">
-              <a16:creationId xmlns:a16="http://schemas.microsoft.com/office/drawing/2014/main" id="{2771D534-54C7-3CA7-32C0-F2ACB6E89781}"/>
-            </a:ext>
-          </a:extLst>
-        </p:cNvPr>
-        <p:cNvGrpSpPr/>
-        <p:nvPr/>
-      </p:nvGrpSpPr>
-      <p:grpSpPr>
-        <a:xfrm>
-          <a:off x="0" y="0"/>
-          <a:ext cx="0" cy="0"/>
-          <a:chOff x="0" y="0"/>
-          <a:chExt cx="0" cy="0"/>
-        </a:xfrm>
-      </p:grpSpPr>
-      <p:sp>
-        <p:nvSpPr>
-          <p:cNvPr id="134" name="Título 22">
-            <a:extLst>
-              <a:ext uri="{FF2B5EF4-FFF2-40B4-BE49-F238E27FC236}">
-                <a16:creationId xmlns:a16="http://schemas.microsoft.com/office/drawing/2014/main" id="{C52A7AB7-26EB-688B-2E6F-F7B90FA136C5}"/>
-              </a:ext>
-            </a:extLst>
-          </p:cNvPr>
-          <p:cNvSpPr/>
-          <p:nvPr/>
-        </p:nvSpPr>
-        <p:spPr>
-          <a:xfrm>
-            <a:off x="291960" y="189000"/>
-            <a:ext cx="7478280" cy="897840"/>
-          </a:xfrm>
-          <a:prstGeom prst="rect">
-            <a:avLst/>
-          </a:prstGeom>
-          <a:noFill/>
-          <a:ln w="0">
-            <a:noFill/>
-          </a:ln>
-        </p:spPr>
-        <p:style>
-          <a:lnRef idx="0">
-            <a:scrgbClr r="0" g="0" b="0"/>
-          </a:lnRef>
-          <a:fillRef idx="0">
-            <a:scrgbClr r="0" g="0" b="0"/>
-          </a:fillRef>
-          <a:effectRef idx="0">
-            <a:scrgbClr r="0" g="0" b="0"/>
-          </a:effectRef>
-          <a:fontRef idx="minor"/>
-        </p:style>
-        <p:txBody>
-          <a:bodyPr lIns="90000" tIns="91440" rIns="90000" bIns="91440" anchor="t">
-            <a:noAutofit/>
-          </a:bodyPr>
-          <a:lstStyle/>
-          <a:p>
-            <a:pPr>
-              <a:lnSpc>
-                <a:spcPct val="100000"/>
-              </a:lnSpc>
-            </a:pPr>
-            <a:r>
-              <a:rPr lang="pt-BR" sz="4000" b="1" strike="noStrike" spc="-1" dirty="0">
-                <a:solidFill>
-                  <a:srgbClr val="002060"/>
-                </a:solidFill>
-                <a:latin typeface="Overpass"/>
-                <a:ea typeface="Overpass"/>
+              <a:buClr>
+                <a:srgbClr val="000000"/>
+              </a:buClr>
+              <a:buSzPct val="45000"/>
+              <a:buFont typeface="Wingdings" charset="2"/>
+              <a:buChar char=""/>
+            </a:pPr>
+            <a:endParaRPr lang="pt-BR" sz="1800" b="0" strike="noStrike" spc="-1">
+              <a:solidFill>
+                <a:srgbClr val="000000"/>
+              </a:solidFill>
+              <a:latin typeface="Arial"/>
+            </a:endParaRPr>
+          </a:p>
+          <a:p>
+            <a:pPr marL="432000" lvl="1" indent="-216000" algn="just">
+              <a:lnSpc>
+                <a:spcPct val="115000"/>
+              </a:lnSpc>
+              <a:buClr>
+                <a:srgbClr val="000000"/>
+              </a:buClr>
+              <a:buSzPct val="45000"/>
+              <a:buFont typeface="Wingdings" charset="2"/>
+              <a:buChar char=""/>
+            </a:pPr>
+            <a:endParaRPr lang="pt-BR" sz="1800" b="0" strike="noStrike" spc="-1">
+              <a:solidFill>
+                <a:srgbClr val="000000"/>
+              </a:solidFill>
+              <a:latin typeface="Arial"/>
+            </a:endParaRPr>
+          </a:p>
+          <a:p>
+            <a:pPr marL="432000" lvl="1" indent="-216000" algn="just">
+              <a:lnSpc>
+                <a:spcPct val="115000"/>
+              </a:lnSpc>
+              <a:buClr>
+                <a:srgbClr val="000000"/>
+              </a:buClr>
+              <a:buSzPct val="45000"/>
+              <a:buFont typeface="Wingdings" charset="2"/>
+              <a:buChar char=""/>
+            </a:pPr>
+            <a:endParaRPr lang="pt-BR" sz="1800" b="0" strike="noStrike" spc="-1">
+              <a:solidFill>
+                <a:srgbClr val="000000"/>
+              </a:solidFill>
+              <a:latin typeface="Arial"/>
+            </a:endParaRPr>
+          </a:p>
+          <a:p>
+            <a:pPr marL="432000" lvl="1" indent="-216000" algn="just">
+              <a:lnSpc>
+                <a:spcPct val="115000"/>
+              </a:lnSpc>
+              <a:buClr>
+                <a:srgbClr val="000000"/>
+              </a:buClr>
+              <a:buSzPct val="45000"/>
+              <a:buFont typeface="Wingdings" charset="2"/>
+              <a:buChar char=""/>
+            </a:pPr>
+            <a:r>
+              <a:rPr lang="pt-BR" sz="1800" b="0" strike="noStrike" spc="-1">
+                <a:solidFill>
+                  <a:srgbClr val="01498E"/>
+                </a:solidFill>
+                <a:latin typeface="Arial"/>
+                <a:ea typeface="Calibri"/>
               </a:rPr>
-              <a:t>Levantamento de Requisitos </a:t>
-            </a:r>
-            <a:endParaRPr lang="pt-BR" sz="5400" b="0" strike="noStrike" spc="-1" dirty="0">
+              <a:t>Vantagens:</a:t>
+            </a:r>
+            <a:endParaRPr lang="pt-BR" sz="1800" b="0" strike="noStrike" spc="-1">
+              <a:solidFill>
+                <a:srgbClr val="000000"/>
+              </a:solidFill>
+              <a:latin typeface="Arial"/>
+            </a:endParaRPr>
+          </a:p>
+          <a:p>
+            <a:pPr marL="648000" lvl="2" indent="-216000" algn="just">
+              <a:lnSpc>
+                <a:spcPct val="115000"/>
+              </a:lnSpc>
+              <a:buClr>
+                <a:srgbClr val="000000"/>
+              </a:buClr>
+              <a:buSzPct val="45000"/>
+              <a:buFont typeface="Wingdings" charset="2"/>
+              <a:buChar char=""/>
+            </a:pPr>
+            <a:r>
+              <a:rPr lang="pt-BR" sz="1800" b="0" strike="noStrike" spc="-1">
+                <a:solidFill>
+                  <a:srgbClr val="01498E"/>
+                </a:solidFill>
+                <a:latin typeface="Arial"/>
+                <a:ea typeface="Calibri"/>
+              </a:rPr>
+              <a:t>Abstração do SQL: Escreve-se código Python, não SQL puro.</a:t>
+            </a:r>
+            <a:endParaRPr lang="pt-BR" sz="1800" b="0" strike="noStrike" spc="-1">
+              <a:solidFill>
+                <a:srgbClr val="000000"/>
+              </a:solidFill>
+              <a:latin typeface="Arial"/>
+            </a:endParaRPr>
+          </a:p>
+          <a:p>
+            <a:pPr marL="648000" lvl="2" indent="-216000" algn="just">
+              <a:lnSpc>
+                <a:spcPct val="115000"/>
+              </a:lnSpc>
+              <a:buClr>
+                <a:srgbClr val="000000"/>
+              </a:buClr>
+              <a:buSzPct val="45000"/>
+              <a:buFont typeface="Wingdings" charset="2"/>
+              <a:buChar char=""/>
+            </a:pPr>
+            <a:r>
+              <a:rPr lang="pt-BR" sz="1800" b="0" strike="noStrike" spc="-1">
+                <a:solidFill>
+                  <a:srgbClr val="01498E"/>
+                </a:solidFill>
+                <a:latin typeface="Arial"/>
+                <a:ea typeface="Calibri"/>
+              </a:rPr>
+              <a:t>Gerenciamento de sessões e transações automático.</a:t>
+            </a:r>
+            <a:endParaRPr lang="pt-BR" sz="1800" b="0" strike="noStrike" spc="-1">
+              <a:solidFill>
+                <a:srgbClr val="000000"/>
+              </a:solidFill>
+              <a:latin typeface="Arial"/>
+            </a:endParaRPr>
+          </a:p>
+          <a:p>
+            <a:pPr marL="648000" lvl="2" indent="-216000" algn="just">
+              <a:lnSpc>
+                <a:spcPct val="115000"/>
+              </a:lnSpc>
+              <a:buClr>
+                <a:srgbClr val="000000"/>
+              </a:buClr>
+              <a:buSzPct val="45000"/>
+              <a:buFont typeface="Wingdings" charset="2"/>
+              <a:buChar char=""/>
+            </a:pPr>
+            <a:r>
+              <a:rPr lang="pt-BR" sz="1800" b="0" strike="noStrike" spc="-1">
+                <a:solidFill>
+                  <a:srgbClr val="01498E"/>
+                </a:solidFill>
+                <a:latin typeface="Arial"/>
+                <a:ea typeface="Calibri"/>
+              </a:rPr>
+              <a:t>Suporte a migrações (via Flask-Migrate)</a:t>
+            </a:r>
+            <a:endParaRPr lang="pt-BR" sz="1800" b="0" strike="noStrike" spc="-1">
+              <a:solidFill>
+                <a:srgbClr val="000000"/>
+              </a:solidFill>
+              <a:latin typeface="Arial"/>
+            </a:endParaRPr>
+          </a:p>
+          <a:p>
+            <a:pPr marL="216000" algn="just">
+              <a:lnSpc>
+                <a:spcPct val="115000"/>
+              </a:lnSpc>
+            </a:pPr>
+            <a:endParaRPr lang="pt-BR" sz="1800" b="0" strike="noStrike" spc="-1">
+              <a:solidFill>
+                <a:srgbClr val="000000"/>
+              </a:solidFill>
+              <a:latin typeface="Arial"/>
+            </a:endParaRPr>
+          </a:p>
+          <a:p>
+            <a:pPr marL="216000" algn="just">
+              <a:lnSpc>
+                <a:spcPct val="115000"/>
+              </a:lnSpc>
+            </a:pPr>
+            <a:endParaRPr lang="pt-BR" sz="1800" b="0" strike="noStrike" spc="-1">
               <a:solidFill>
                 <a:srgbClr val="000000"/>
               </a:solidFill>
@@ -7626,25 +8773,18 @@
       </p:sp>
       <p:pic>
         <p:nvPicPr>
-          <p:cNvPr id="135" name="Imagem 9">
-            <a:extLst>
-              <a:ext uri="{FF2B5EF4-FFF2-40B4-BE49-F238E27FC236}">
-                <a16:creationId xmlns:a16="http://schemas.microsoft.com/office/drawing/2014/main" id="{E6EC9847-B487-64CE-83B1-AA746296D7B7}"/>
-              </a:ext>
-            </a:extLst>
-          </p:cNvPr>
+          <p:cNvPr id="191" name="Imagem 190"/>
           <p:cNvPicPr/>
           <p:nvPr/>
         </p:nvPicPr>
         <p:blipFill>
-          <a:blip r:embed="rId2"/>
-          <a:srcRect b="20507"/>
+          <a:blip r:embed="rId3"/>
           <a:stretch/>
         </p:blipFill>
         <p:spPr>
           <a:xfrm>
-            <a:off x="8100720" y="900720"/>
-            <a:ext cx="2140560" cy="3601440"/>
+            <a:off x="1980000" y="2416320"/>
+            <a:ext cx="4923360" cy="1075680"/>
           </a:xfrm>
           <a:prstGeom prst="rect">
             <a:avLst/>
@@ -7654,257 +8794,20 @@
           </a:ln>
         </p:spPr>
       </p:pic>
-      <p:sp>
-        <p:nvSpPr>
-          <p:cNvPr id="136" name="CaixaDeTexto 9">
-            <a:extLst>
-              <a:ext uri="{FF2B5EF4-FFF2-40B4-BE49-F238E27FC236}">
-                <a16:creationId xmlns:a16="http://schemas.microsoft.com/office/drawing/2014/main" id="{AC8D2E03-8CCD-5DD1-52B9-DA6139098EF9}"/>
-              </a:ext>
-            </a:extLst>
-          </p:cNvPr>
-          <p:cNvSpPr/>
-          <p:nvPr/>
-        </p:nvSpPr>
-        <p:spPr>
-          <a:xfrm>
-            <a:off x="291960" y="1113480"/>
-            <a:ext cx="7691760" cy="2293661"/>
-          </a:xfrm>
-          <a:prstGeom prst="rect">
-            <a:avLst/>
-          </a:prstGeom>
-          <a:noFill/>
-          <a:ln w="0">
-            <a:noFill/>
-          </a:ln>
-        </p:spPr>
-        <p:style>
-          <a:lnRef idx="0">
-            <a:scrgbClr r="0" g="0" b="0"/>
-          </a:lnRef>
-          <a:fillRef idx="0">
-            <a:scrgbClr r="0" g="0" b="0"/>
-          </a:fillRef>
-          <a:effectRef idx="0">
-            <a:scrgbClr r="0" g="0" b="0"/>
-          </a:effectRef>
-          <a:fontRef idx="minor"/>
-        </p:style>
-        <p:txBody>
-          <a:bodyPr lIns="90000" tIns="45000" rIns="90000" bIns="45000" anchor="t">
-            <a:spAutoFit/>
-          </a:bodyPr>
-          <a:lstStyle/>
-          <a:p>
-            <a:pPr marL="216000" indent="-216000" algn="just">
-              <a:lnSpc>
-                <a:spcPct val="115000"/>
-              </a:lnSpc>
-              <a:buClr>
-                <a:srgbClr val="000000"/>
-              </a:buClr>
-              <a:buFont typeface="Arial"/>
-              <a:buChar char="●"/>
-            </a:pPr>
-            <a:r>
-              <a:rPr lang="pt-BR" sz="1800" b="0" strike="noStrike" spc="-1" dirty="0">
-                <a:solidFill>
-                  <a:srgbClr val="01498E"/>
-                </a:solidFill>
-                <a:latin typeface="Arial"/>
-                <a:ea typeface="Calibri"/>
-              </a:rPr>
-              <a:t>Processo de identificação, análise e documentação das necessidades, expectativas e restrições de um sistema de software, visando definir o que o sistema deve fazer</a:t>
-            </a:r>
-          </a:p>
-          <a:p>
-            <a:pPr marL="216000" indent="-216000" algn="just">
-              <a:lnSpc>
-                <a:spcPct val="115000"/>
-              </a:lnSpc>
-              <a:buClr>
-                <a:srgbClr val="000000"/>
-              </a:buClr>
-              <a:buFont typeface="Arial"/>
-              <a:buChar char="●"/>
-            </a:pPr>
-            <a:r>
-              <a:rPr lang="pt-BR" sz="1800" b="0" strike="noStrike" spc="-1" dirty="0">
-                <a:solidFill>
-                  <a:srgbClr val="01498E"/>
-                </a:solidFill>
-                <a:latin typeface="Arial"/>
-                <a:ea typeface="Calibri"/>
-              </a:rPr>
-              <a:t>Objetivos?</a:t>
-            </a:r>
-          </a:p>
-          <a:p>
-            <a:pPr algn="just">
-              <a:lnSpc>
-                <a:spcPct val="115000"/>
-              </a:lnSpc>
-            </a:pPr>
-            <a:endParaRPr lang="pt-BR" sz="1800" b="0" strike="noStrike" spc="-1" dirty="0">
-              <a:solidFill>
-                <a:srgbClr val="000000"/>
-              </a:solidFill>
-              <a:latin typeface="Arial"/>
-            </a:endParaRPr>
-          </a:p>
-          <a:p>
-            <a:pPr algn="just">
-              <a:lnSpc>
-                <a:spcPct val="115000"/>
-              </a:lnSpc>
-            </a:pPr>
-            <a:endParaRPr lang="pt-BR" sz="1800" b="0" strike="noStrike" spc="-1" dirty="0">
-              <a:solidFill>
-                <a:srgbClr val="000000"/>
-              </a:solidFill>
-              <a:latin typeface="Arial"/>
-            </a:endParaRPr>
-          </a:p>
-          <a:p>
-            <a:pPr algn="just">
-              <a:lnSpc>
-                <a:spcPct val="115000"/>
-              </a:lnSpc>
-            </a:pPr>
-            <a:endParaRPr lang="pt-BR" sz="1800" b="0" strike="noStrike" spc="-1" dirty="0">
-              <a:solidFill>
-                <a:srgbClr val="000000"/>
-              </a:solidFill>
-              <a:latin typeface="Arial"/>
-            </a:endParaRPr>
-          </a:p>
-        </p:txBody>
-      </p:sp>
-    </p:spTree>
-    <p:extLst>
-      <p:ext uri="{BB962C8B-B14F-4D97-AF65-F5344CB8AC3E}">
-        <p14:creationId xmlns:p14="http://schemas.microsoft.com/office/powerpoint/2010/main" val="2779210250"/>
-      </p:ext>
-    </p:extLst>
-  </p:cSld>
-  <p:clrMapOvr>
-    <a:masterClrMapping/>
-  </p:clrMapOvr>
-</p:sld>
-</file>
-
-<file path=ppt/slides/slide4.xml><?xml version="1.0" encoding="utf-8"?>
-<p:sld xmlns:a="http://schemas.openxmlformats.org/drawingml/2006/main" xmlns:r="http://schemas.openxmlformats.org/officeDocument/2006/relationships" xmlns:p="http://schemas.openxmlformats.org/presentationml/2006/main">
-  <p:cSld>
-    <p:spTree>
-      <p:nvGrpSpPr>
-        <p:cNvPr id="1" name="">
-          <a:extLst>
-            <a:ext uri="{FF2B5EF4-FFF2-40B4-BE49-F238E27FC236}">
-              <a16:creationId xmlns:a16="http://schemas.microsoft.com/office/drawing/2014/main" id="{57E7A2F1-FC4E-E081-B831-5D546DBE4D8C}"/>
-            </a:ext>
-          </a:extLst>
-        </p:cNvPr>
-        <p:cNvGrpSpPr/>
-        <p:nvPr/>
-      </p:nvGrpSpPr>
-      <p:grpSpPr>
-        <a:xfrm>
-          <a:off x="0" y="0"/>
-          <a:ext cx="0" cy="0"/>
-          <a:chOff x="0" y="0"/>
-          <a:chExt cx="0" cy="0"/>
-        </a:xfrm>
-      </p:grpSpPr>
-      <p:sp>
-        <p:nvSpPr>
-          <p:cNvPr id="134" name="Título 22">
-            <a:extLst>
-              <a:ext uri="{FF2B5EF4-FFF2-40B4-BE49-F238E27FC236}">
-                <a16:creationId xmlns:a16="http://schemas.microsoft.com/office/drawing/2014/main" id="{9DDBDEBC-246D-16B1-CDA6-414FC6C531D7}"/>
-              </a:ext>
-            </a:extLst>
-          </p:cNvPr>
-          <p:cNvSpPr/>
-          <p:nvPr/>
-        </p:nvSpPr>
-        <p:spPr>
-          <a:xfrm>
-            <a:off x="291960" y="189000"/>
-            <a:ext cx="7478280" cy="897840"/>
-          </a:xfrm>
-          <a:prstGeom prst="rect">
-            <a:avLst/>
-          </a:prstGeom>
-          <a:noFill/>
-          <a:ln w="0">
-            <a:noFill/>
-          </a:ln>
-        </p:spPr>
-        <p:style>
-          <a:lnRef idx="0">
-            <a:scrgbClr r="0" g="0" b="0"/>
-          </a:lnRef>
-          <a:fillRef idx="0">
-            <a:scrgbClr r="0" g="0" b="0"/>
-          </a:fillRef>
-          <a:effectRef idx="0">
-            <a:scrgbClr r="0" g="0" b="0"/>
-          </a:effectRef>
-          <a:fontRef idx="minor"/>
-        </p:style>
-        <p:txBody>
-          <a:bodyPr lIns="90000" tIns="91440" rIns="90000" bIns="91440" anchor="t">
-            <a:noAutofit/>
-          </a:bodyPr>
-          <a:lstStyle/>
-          <a:p>
-            <a:pPr>
-              <a:lnSpc>
-                <a:spcPct val="100000"/>
-              </a:lnSpc>
-            </a:pPr>
-            <a:r>
-              <a:rPr lang="pt-BR" sz="4000" b="1" strike="noStrike" spc="-1" dirty="0">
-                <a:solidFill>
-                  <a:srgbClr val="002060"/>
-                </a:solidFill>
-                <a:latin typeface="Overpass"/>
-                <a:ea typeface="Overpass"/>
-              </a:rPr>
-              <a:t>Levantamento de Requisitos </a:t>
-            </a:r>
-            <a:endParaRPr lang="pt-BR" sz="5400" b="0" strike="noStrike" spc="-1" dirty="0">
-              <a:solidFill>
-                <a:srgbClr val="000000"/>
-              </a:solidFill>
-              <a:latin typeface="Arial"/>
-            </a:endParaRPr>
-          </a:p>
-        </p:txBody>
-      </p:sp>
       <p:pic>
         <p:nvPicPr>
-          <p:cNvPr id="135" name="Imagem 9">
-            <a:extLst>
-              <a:ext uri="{FF2B5EF4-FFF2-40B4-BE49-F238E27FC236}">
-                <a16:creationId xmlns:a16="http://schemas.microsoft.com/office/drawing/2014/main" id="{E90ADAEF-7E66-86F4-ED72-3D214D94A003}"/>
-              </a:ext>
-            </a:extLst>
-          </p:cNvPr>
+          <p:cNvPr id="192" name="Imagem 191"/>
           <p:cNvPicPr/>
           <p:nvPr/>
         </p:nvPicPr>
         <p:blipFill>
-          <a:blip r:embed="rId2"/>
-          <a:srcRect b="20507"/>
+          <a:blip r:embed="rId4"/>
           <a:stretch/>
         </p:blipFill>
         <p:spPr>
           <a:xfrm>
-            <a:off x="8100720" y="900720"/>
-            <a:ext cx="2140560" cy="3601440"/>
+            <a:off x="2564280" y="3523680"/>
+            <a:ext cx="3951720" cy="447120"/>
           </a:xfrm>
           <a:prstGeom prst="rect">
             <a:avLst/>
@@ -7914,484 +8817,7 @@
           </a:ln>
         </p:spPr>
       </p:pic>
-      <p:sp>
-        <p:nvSpPr>
-          <p:cNvPr id="136" name="CaixaDeTexto 9">
-            <a:extLst>
-              <a:ext uri="{FF2B5EF4-FFF2-40B4-BE49-F238E27FC236}">
-                <a16:creationId xmlns:a16="http://schemas.microsoft.com/office/drawing/2014/main" id="{0E98F4A3-E783-246E-15F2-483728B257DE}"/>
-              </a:ext>
-            </a:extLst>
-          </p:cNvPr>
-          <p:cNvSpPr/>
-          <p:nvPr/>
-        </p:nvSpPr>
-        <p:spPr>
-          <a:xfrm>
-            <a:off x="291960" y="1113480"/>
-            <a:ext cx="7691760" cy="2930759"/>
-          </a:xfrm>
-          <a:prstGeom prst="rect">
-            <a:avLst/>
-          </a:prstGeom>
-          <a:noFill/>
-          <a:ln w="0">
-            <a:noFill/>
-          </a:ln>
-        </p:spPr>
-        <p:style>
-          <a:lnRef idx="0">
-            <a:scrgbClr r="0" g="0" b="0"/>
-          </a:lnRef>
-          <a:fillRef idx="0">
-            <a:scrgbClr r="0" g="0" b="0"/>
-          </a:fillRef>
-          <a:effectRef idx="0">
-            <a:scrgbClr r="0" g="0" b="0"/>
-          </a:effectRef>
-          <a:fontRef idx="minor"/>
-        </p:style>
-        <p:txBody>
-          <a:bodyPr lIns="90000" tIns="45000" rIns="90000" bIns="45000" anchor="t">
-            <a:spAutoFit/>
-          </a:bodyPr>
-          <a:lstStyle/>
-          <a:p>
-            <a:pPr marL="216000" indent="-216000" algn="just">
-              <a:lnSpc>
-                <a:spcPct val="115000"/>
-              </a:lnSpc>
-              <a:buClr>
-                <a:srgbClr val="000000"/>
-              </a:buClr>
-              <a:buFont typeface="Arial"/>
-              <a:buChar char="●"/>
-            </a:pPr>
-            <a:r>
-              <a:rPr lang="pt-BR" sz="1800" b="0" strike="noStrike" spc="-1" dirty="0">
-                <a:solidFill>
-                  <a:srgbClr val="01498E"/>
-                </a:solidFill>
-                <a:latin typeface="Arial"/>
-                <a:ea typeface="Calibri"/>
-              </a:rPr>
-              <a:t>Processo de identificação, análise e documentação das necessidades, expectativas e restrições de um sistema de software, visando definir o que o sistema deve fazer</a:t>
-            </a:r>
-            <a:endParaRPr lang="pt-BR" spc="-1" dirty="0">
-              <a:solidFill>
-                <a:srgbClr val="01498E"/>
-              </a:solidFill>
-              <a:latin typeface="Arial"/>
-              <a:ea typeface="Calibri"/>
-            </a:endParaRPr>
-          </a:p>
-          <a:p>
-            <a:pPr marL="432000" lvl="1" indent="-216000" algn="just">
-              <a:lnSpc>
-                <a:spcPct val="115000"/>
-              </a:lnSpc>
-              <a:buClr>
-                <a:srgbClr val="000000"/>
-              </a:buClr>
-              <a:buSzPct val="45000"/>
-              <a:buFont typeface="Wingdings" charset="2"/>
-              <a:buChar char=""/>
-            </a:pPr>
-            <a:r>
-              <a:rPr lang="pt-BR" sz="1800" b="0" strike="noStrike" spc="-1" dirty="0">
-                <a:solidFill>
-                  <a:srgbClr val="01498E"/>
-                </a:solidFill>
-                <a:latin typeface="Arial"/>
-                <a:ea typeface="Calibri"/>
-              </a:rPr>
-              <a:t>Objetivos?</a:t>
-            </a:r>
-          </a:p>
-          <a:p>
-            <a:pPr marL="889200" lvl="2" indent="-216000" algn="just">
-              <a:lnSpc>
-                <a:spcPct val="115000"/>
-              </a:lnSpc>
-              <a:buClr>
-                <a:srgbClr val="000000"/>
-              </a:buClr>
-              <a:buSzPct val="45000"/>
-              <a:buFont typeface="Wingdings" charset="2"/>
-              <a:buChar char=""/>
-            </a:pPr>
-            <a:r>
-              <a:rPr lang="pt-BR" spc="-1" dirty="0">
-                <a:solidFill>
-                  <a:srgbClr val="01498E"/>
-                </a:solidFill>
-                <a:latin typeface="Arial"/>
-                <a:ea typeface="Calibri"/>
-              </a:rPr>
-              <a:t>Alinhar expectativas entre stakeholders (clientes, usuários, equipe).</a:t>
-            </a:r>
-          </a:p>
-          <a:p>
-            <a:pPr algn="just">
-              <a:lnSpc>
-                <a:spcPct val="115000"/>
-              </a:lnSpc>
-            </a:pPr>
-            <a:endParaRPr lang="pt-BR" sz="1800" b="0" strike="noStrike" spc="-1" dirty="0">
-              <a:solidFill>
-                <a:srgbClr val="000000"/>
-              </a:solidFill>
-              <a:latin typeface="Arial"/>
-            </a:endParaRPr>
-          </a:p>
-          <a:p>
-            <a:pPr algn="just">
-              <a:lnSpc>
-                <a:spcPct val="115000"/>
-              </a:lnSpc>
-            </a:pPr>
-            <a:endParaRPr lang="pt-BR" sz="1800" b="0" strike="noStrike" spc="-1" dirty="0">
-              <a:solidFill>
-                <a:srgbClr val="000000"/>
-              </a:solidFill>
-              <a:latin typeface="Arial"/>
-            </a:endParaRPr>
-          </a:p>
-          <a:p>
-            <a:pPr algn="just">
-              <a:lnSpc>
-                <a:spcPct val="115000"/>
-              </a:lnSpc>
-            </a:pPr>
-            <a:endParaRPr lang="pt-BR" sz="1800" b="0" strike="noStrike" spc="-1" dirty="0">
-              <a:solidFill>
-                <a:srgbClr val="000000"/>
-              </a:solidFill>
-              <a:latin typeface="Arial"/>
-            </a:endParaRPr>
-          </a:p>
-        </p:txBody>
-      </p:sp>
     </p:spTree>
-    <p:extLst>
-      <p:ext uri="{BB962C8B-B14F-4D97-AF65-F5344CB8AC3E}">
-        <p14:creationId xmlns:p14="http://schemas.microsoft.com/office/powerpoint/2010/main" val="3195428339"/>
-      </p:ext>
-    </p:extLst>
-  </p:cSld>
-  <p:clrMapOvr>
-    <a:masterClrMapping/>
-  </p:clrMapOvr>
-</p:sld>
-</file>
-
-<file path=ppt/slides/slide5.xml><?xml version="1.0" encoding="utf-8"?>
-<p:sld xmlns:a="http://schemas.openxmlformats.org/drawingml/2006/main" xmlns:r="http://schemas.openxmlformats.org/officeDocument/2006/relationships" xmlns:p="http://schemas.openxmlformats.org/presentationml/2006/main">
-  <p:cSld>
-    <p:spTree>
-      <p:nvGrpSpPr>
-        <p:cNvPr id="1" name="">
-          <a:extLst>
-            <a:ext uri="{FF2B5EF4-FFF2-40B4-BE49-F238E27FC236}">
-              <a16:creationId xmlns:a16="http://schemas.microsoft.com/office/drawing/2014/main" id="{2655DD16-D186-91F9-BE79-412501B73EB0}"/>
-            </a:ext>
-          </a:extLst>
-        </p:cNvPr>
-        <p:cNvGrpSpPr/>
-        <p:nvPr/>
-      </p:nvGrpSpPr>
-      <p:grpSpPr>
-        <a:xfrm>
-          <a:off x="0" y="0"/>
-          <a:ext cx="0" cy="0"/>
-          <a:chOff x="0" y="0"/>
-          <a:chExt cx="0" cy="0"/>
-        </a:xfrm>
-      </p:grpSpPr>
-      <p:sp>
-        <p:nvSpPr>
-          <p:cNvPr id="134" name="Título 22">
-            <a:extLst>
-              <a:ext uri="{FF2B5EF4-FFF2-40B4-BE49-F238E27FC236}">
-                <a16:creationId xmlns:a16="http://schemas.microsoft.com/office/drawing/2014/main" id="{B5F81B12-F087-491C-CB48-C40B88394392}"/>
-              </a:ext>
-            </a:extLst>
-          </p:cNvPr>
-          <p:cNvSpPr/>
-          <p:nvPr/>
-        </p:nvSpPr>
-        <p:spPr>
-          <a:xfrm>
-            <a:off x="291960" y="189000"/>
-            <a:ext cx="7478280" cy="897840"/>
-          </a:xfrm>
-          <a:prstGeom prst="rect">
-            <a:avLst/>
-          </a:prstGeom>
-          <a:noFill/>
-          <a:ln w="0">
-            <a:noFill/>
-          </a:ln>
-        </p:spPr>
-        <p:style>
-          <a:lnRef idx="0">
-            <a:scrgbClr r="0" g="0" b="0"/>
-          </a:lnRef>
-          <a:fillRef idx="0">
-            <a:scrgbClr r="0" g="0" b="0"/>
-          </a:fillRef>
-          <a:effectRef idx="0">
-            <a:scrgbClr r="0" g="0" b="0"/>
-          </a:effectRef>
-          <a:fontRef idx="minor"/>
-        </p:style>
-        <p:txBody>
-          <a:bodyPr lIns="90000" tIns="91440" rIns="90000" bIns="91440" anchor="t">
-            <a:noAutofit/>
-          </a:bodyPr>
-          <a:lstStyle/>
-          <a:p>
-            <a:pPr>
-              <a:lnSpc>
-                <a:spcPct val="100000"/>
-              </a:lnSpc>
-            </a:pPr>
-            <a:r>
-              <a:rPr lang="pt-BR" sz="4000" b="1" strike="noStrike" spc="-1" dirty="0">
-                <a:solidFill>
-                  <a:srgbClr val="002060"/>
-                </a:solidFill>
-                <a:latin typeface="Overpass"/>
-                <a:ea typeface="Overpass"/>
-              </a:rPr>
-              <a:t>Levantamento de Requisitos </a:t>
-            </a:r>
-            <a:endParaRPr lang="pt-BR" sz="5400" b="0" strike="noStrike" spc="-1" dirty="0">
-              <a:solidFill>
-                <a:srgbClr val="000000"/>
-              </a:solidFill>
-              <a:latin typeface="Arial"/>
-            </a:endParaRPr>
-          </a:p>
-        </p:txBody>
-      </p:sp>
-      <p:pic>
-        <p:nvPicPr>
-          <p:cNvPr id="135" name="Imagem 9">
-            <a:extLst>
-              <a:ext uri="{FF2B5EF4-FFF2-40B4-BE49-F238E27FC236}">
-                <a16:creationId xmlns:a16="http://schemas.microsoft.com/office/drawing/2014/main" id="{122FB05E-A9F9-4492-91D7-2F2AF7A682A5}"/>
-              </a:ext>
-            </a:extLst>
-          </p:cNvPr>
-          <p:cNvPicPr/>
-          <p:nvPr/>
-        </p:nvPicPr>
-        <p:blipFill>
-          <a:blip r:embed="rId2"/>
-          <a:srcRect b="20507"/>
-          <a:stretch/>
-        </p:blipFill>
-        <p:spPr>
-          <a:xfrm>
-            <a:off x="8100720" y="900720"/>
-            <a:ext cx="2140560" cy="3601440"/>
-          </a:xfrm>
-          <a:prstGeom prst="rect">
-            <a:avLst/>
-          </a:prstGeom>
-          <a:ln w="0">
-            <a:noFill/>
-          </a:ln>
-        </p:spPr>
-      </p:pic>
-      <p:sp>
-        <p:nvSpPr>
-          <p:cNvPr id="136" name="CaixaDeTexto 9">
-            <a:extLst>
-              <a:ext uri="{FF2B5EF4-FFF2-40B4-BE49-F238E27FC236}">
-                <a16:creationId xmlns:a16="http://schemas.microsoft.com/office/drawing/2014/main" id="{5A72CD5C-1D10-C1A6-B656-5411525A2FF2}"/>
-              </a:ext>
-            </a:extLst>
-          </p:cNvPr>
-          <p:cNvSpPr/>
-          <p:nvPr/>
-        </p:nvSpPr>
-        <p:spPr>
-          <a:xfrm>
-            <a:off x="291960" y="1113480"/>
-            <a:ext cx="7691760" cy="3249308"/>
-          </a:xfrm>
-          <a:prstGeom prst="rect">
-            <a:avLst/>
-          </a:prstGeom>
-          <a:noFill/>
-          <a:ln w="0">
-            <a:noFill/>
-          </a:ln>
-        </p:spPr>
-        <p:style>
-          <a:lnRef idx="0">
-            <a:scrgbClr r="0" g="0" b="0"/>
-          </a:lnRef>
-          <a:fillRef idx="0">
-            <a:scrgbClr r="0" g="0" b="0"/>
-          </a:fillRef>
-          <a:effectRef idx="0">
-            <a:scrgbClr r="0" g="0" b="0"/>
-          </a:effectRef>
-          <a:fontRef idx="minor"/>
-        </p:style>
-        <p:txBody>
-          <a:bodyPr lIns="90000" tIns="45000" rIns="90000" bIns="45000" anchor="t">
-            <a:spAutoFit/>
-          </a:bodyPr>
-          <a:lstStyle/>
-          <a:p>
-            <a:pPr marL="216000" indent="-216000" algn="just">
-              <a:lnSpc>
-                <a:spcPct val="115000"/>
-              </a:lnSpc>
-              <a:buClr>
-                <a:srgbClr val="000000"/>
-              </a:buClr>
-              <a:buFont typeface="Arial"/>
-              <a:buChar char="●"/>
-            </a:pPr>
-            <a:r>
-              <a:rPr lang="pt-BR" sz="1800" b="0" strike="noStrike" spc="-1" dirty="0">
-                <a:solidFill>
-                  <a:srgbClr val="01498E"/>
-                </a:solidFill>
-                <a:latin typeface="Arial"/>
-                <a:ea typeface="Calibri"/>
-              </a:rPr>
-              <a:t>Processo de identificação, análise e documentação das necessidades, expectativas e restrições de um sistema de software, visando definir o que o sistema deve fazer</a:t>
-            </a:r>
-            <a:endParaRPr lang="pt-BR" spc="-1" dirty="0">
-              <a:solidFill>
-                <a:srgbClr val="01498E"/>
-              </a:solidFill>
-              <a:latin typeface="Arial"/>
-              <a:ea typeface="Calibri"/>
-            </a:endParaRPr>
-          </a:p>
-          <a:p>
-            <a:pPr marL="432000" lvl="1" indent="-216000" algn="just">
-              <a:lnSpc>
-                <a:spcPct val="115000"/>
-              </a:lnSpc>
-              <a:buClr>
-                <a:srgbClr val="000000"/>
-              </a:buClr>
-              <a:buSzPct val="45000"/>
-              <a:buFont typeface="Wingdings" charset="2"/>
-              <a:buChar char=""/>
-            </a:pPr>
-            <a:r>
-              <a:rPr lang="pt-BR" sz="1800" b="0" strike="noStrike" spc="-1" dirty="0">
-                <a:solidFill>
-                  <a:srgbClr val="01498E"/>
-                </a:solidFill>
-                <a:latin typeface="Arial"/>
-                <a:ea typeface="Calibri"/>
-              </a:rPr>
-              <a:t>Objetivos?</a:t>
-            </a:r>
-          </a:p>
-          <a:p>
-            <a:pPr marL="889200" lvl="2" indent="-216000" algn="just">
-              <a:lnSpc>
-                <a:spcPct val="115000"/>
-              </a:lnSpc>
-              <a:buClr>
-                <a:srgbClr val="000000"/>
-              </a:buClr>
-              <a:buSzPct val="45000"/>
-              <a:buFont typeface="Wingdings" charset="2"/>
-              <a:buChar char=""/>
-            </a:pPr>
-            <a:r>
-              <a:rPr lang="pt-BR" spc="-1" dirty="0">
-                <a:solidFill>
-                  <a:srgbClr val="01498E"/>
-                </a:solidFill>
-                <a:latin typeface="Arial"/>
-                <a:ea typeface="Calibri"/>
-              </a:rPr>
-              <a:t>Alinhar expectativas entre stakeholders (clientes, usuários, equipe).</a:t>
-            </a:r>
-          </a:p>
-          <a:p>
-            <a:pPr marL="889200" lvl="2" indent="-216000" algn="just">
-              <a:lnSpc>
-                <a:spcPct val="115000"/>
-              </a:lnSpc>
-              <a:buClr>
-                <a:srgbClr val="000000"/>
-              </a:buClr>
-              <a:buSzPct val="45000"/>
-              <a:buFont typeface="Wingdings" charset="2"/>
-              <a:buChar char=""/>
-            </a:pPr>
-            <a:r>
-              <a:rPr lang="pt-BR" spc="-1" dirty="0">
-                <a:solidFill>
-                  <a:srgbClr val="01498E"/>
-                </a:solidFill>
-                <a:latin typeface="Arial"/>
-                <a:ea typeface="Calibri"/>
-              </a:rPr>
-              <a:t>Reduzir riscos de retrabalho e falhas.</a:t>
-            </a:r>
-          </a:p>
-          <a:p>
-            <a:pPr algn="just">
-              <a:lnSpc>
-                <a:spcPct val="115000"/>
-              </a:lnSpc>
-            </a:pPr>
-            <a:endParaRPr lang="pt-BR" sz="1800" b="0" strike="noStrike" spc="-1" dirty="0">
-              <a:solidFill>
-                <a:srgbClr val="000000"/>
-              </a:solidFill>
-              <a:latin typeface="Arial"/>
-            </a:endParaRPr>
-          </a:p>
-          <a:p>
-            <a:pPr algn="just">
-              <a:lnSpc>
-                <a:spcPct val="115000"/>
-              </a:lnSpc>
-            </a:pPr>
-            <a:endParaRPr lang="pt-BR" sz="1800" b="0" strike="noStrike" spc="-1" dirty="0">
-              <a:solidFill>
-                <a:srgbClr val="000000"/>
-              </a:solidFill>
-              <a:latin typeface="Arial"/>
-            </a:endParaRPr>
-          </a:p>
-          <a:p>
-            <a:pPr algn="just">
-              <a:lnSpc>
-                <a:spcPct val="115000"/>
-              </a:lnSpc>
-            </a:pPr>
-            <a:endParaRPr lang="pt-BR" sz="1800" b="0" strike="noStrike" spc="-1" dirty="0">
-              <a:solidFill>
-                <a:srgbClr val="000000"/>
-              </a:solidFill>
-              <a:latin typeface="Arial"/>
-            </a:endParaRPr>
-          </a:p>
-        </p:txBody>
-      </p:sp>
-    </p:spTree>
-    <p:extLst>
-      <p:ext uri="{BB962C8B-B14F-4D97-AF65-F5344CB8AC3E}">
-        <p14:creationId xmlns:p14="http://schemas.microsoft.com/office/powerpoint/2010/main" val="2431021517"/>
-      </p:ext>
-    </p:extLst>
   </p:cSld>
   <p:clrMapOvr>
     <a:masterClrMapping/>
@@ -8407,7 +8833,7 @@
         <p:cNvPr id="1" name="">
           <a:extLst>
             <a:ext uri="{FF2B5EF4-FFF2-40B4-BE49-F238E27FC236}">
-              <a16:creationId xmlns:a16="http://schemas.microsoft.com/office/drawing/2014/main" id="{493E6ACE-B812-ACCE-799A-6285A14D3E6E}"/>
+              <a16:creationId xmlns:a16="http://schemas.microsoft.com/office/drawing/2014/main" id="{170422A4-AA08-D746-2AB8-D4CADC7E0AF0}"/>
             </a:ext>
           </a:extLst>
         </p:cNvPr>
@@ -8424,10 +8850,10 @@
       </p:grpSpPr>
       <p:sp>
         <p:nvSpPr>
-          <p:cNvPr id="134" name="Título 22">
+          <p:cNvPr id="188" name="Título 14">
             <a:extLst>
               <a:ext uri="{FF2B5EF4-FFF2-40B4-BE49-F238E27FC236}">
-                <a16:creationId xmlns:a16="http://schemas.microsoft.com/office/drawing/2014/main" id="{DDB686E3-2A38-E114-CDFA-7E806BD7793C}"/>
+                <a16:creationId xmlns:a16="http://schemas.microsoft.com/office/drawing/2014/main" id="{162CF4BB-6E33-2EE7-3A15-01C13785109D}"/>
               </a:ext>
             </a:extLst>
           </p:cNvPr>
@@ -8436,8 +8862,8 @@
         </p:nvSpPr>
         <p:spPr>
           <a:xfrm>
-            <a:off x="291960" y="189000"/>
-            <a:ext cx="7478280" cy="897840"/>
+            <a:off x="291960" y="58372"/>
+            <a:ext cx="7479000" cy="898560"/>
           </a:xfrm>
           <a:prstGeom prst="rect">
             <a:avLst/>
@@ -8471,15 +8897,28 @@
               </a:lnSpc>
             </a:pPr>
             <a:r>
-              <a:rPr lang="pt-BR" sz="4000" b="1" strike="noStrike" spc="-1" dirty="0">
+              <a:rPr lang="pt-BR" sz="5400" b="1" strike="noStrike" spc="-1" dirty="0">
                 <a:solidFill>
                   <a:srgbClr val="002060"/>
                 </a:solidFill>
                 <a:latin typeface="Overpass"/>
                 <a:ea typeface="Overpass"/>
               </a:rPr>
-              <a:t>Levantamento de Requisitos </a:t>
-            </a:r>
+              <a:t>SQL </a:t>
+            </a:r>
+            <a:endParaRPr lang="pt-BR" sz="5400" b="0" strike="noStrike" spc="-1" dirty="0">
+              <a:solidFill>
+                <a:srgbClr val="000000"/>
+              </a:solidFill>
+              <a:latin typeface="Arial"/>
+            </a:endParaRPr>
+          </a:p>
+          <a:p>
+            <a:pPr>
+              <a:lnSpc>
+                <a:spcPct val="100000"/>
+              </a:lnSpc>
+            </a:pPr>
             <a:endParaRPr lang="pt-BR" sz="5400" b="0" strike="noStrike" spc="-1" dirty="0">
               <a:solidFill>
                 <a:srgbClr val="000000"/>
@@ -8491,10 +8930,10 @@
       </p:sp>
       <p:pic>
         <p:nvPicPr>
-          <p:cNvPr id="135" name="Imagem 9">
+          <p:cNvPr id="189" name="Imagem 20">
             <a:extLst>
               <a:ext uri="{FF2B5EF4-FFF2-40B4-BE49-F238E27FC236}">
-                <a16:creationId xmlns:a16="http://schemas.microsoft.com/office/drawing/2014/main" id="{6724CA5D-9BD5-A786-233F-49C7DAA5A11A}"/>
+                <a16:creationId xmlns:a16="http://schemas.microsoft.com/office/drawing/2014/main" id="{E32BBDAE-4E7F-F321-32E7-A2C00CB9C7F9}"/>
               </a:ext>
             </a:extLst>
           </p:cNvPr>
@@ -8509,7 +8948,7 @@
         <p:spPr>
           <a:xfrm>
             <a:off x="8100720" y="900720"/>
-            <a:ext cx="2140560" cy="3601440"/>
+            <a:ext cx="2141280" cy="3602160"/>
           </a:xfrm>
           <a:prstGeom prst="rect">
             <a:avLst/>
@@ -8521,10 +8960,10 @@
       </p:pic>
       <p:sp>
         <p:nvSpPr>
-          <p:cNvPr id="136" name="CaixaDeTexto 9">
+          <p:cNvPr id="190" name="CaixaDeTexto 14">
             <a:extLst>
               <a:ext uri="{FF2B5EF4-FFF2-40B4-BE49-F238E27FC236}">
-                <a16:creationId xmlns:a16="http://schemas.microsoft.com/office/drawing/2014/main" id="{4F454343-16C5-9345-BF27-CAA713FC02BB}"/>
+                <a16:creationId xmlns:a16="http://schemas.microsoft.com/office/drawing/2014/main" id="{A6235B1D-8041-C647-096E-FC766CE34191}"/>
               </a:ext>
             </a:extLst>
           </p:cNvPr>
@@ -8533,8 +8972,8 @@
         </p:nvSpPr>
         <p:spPr>
           <a:xfrm>
-            <a:off x="291960" y="1113480"/>
-            <a:ext cx="7691760" cy="3567856"/>
+            <a:off x="243360" y="900720"/>
+            <a:ext cx="7692480" cy="5479149"/>
           </a:xfrm>
           <a:prstGeom prst="rect">
             <a:avLst/>
@@ -8573,18 +9012,25 @@
               <a:buChar char="●"/>
             </a:pPr>
             <a:r>
-              <a:rPr lang="pt-BR" sz="1800" b="0" strike="noStrike" spc="-1" dirty="0">
+              <a:rPr lang="pt-BR" spc="-1" dirty="0">
                 <a:solidFill>
                   <a:srgbClr val="01498E"/>
                 </a:solidFill>
                 <a:latin typeface="Arial"/>
                 <a:ea typeface="Calibri"/>
               </a:rPr>
-              <a:t>Processo de identificação, análise e documentação das necessidades, expectativas e restrições de um sistema de software, visando definir o que o sistema deve fazer,</a:t>
-            </a:r>
-          </a:p>
-          <a:p>
-            <a:pPr marL="216000" indent="-216000" algn="just">
+              <a:t>Conceitos</a:t>
+            </a:r>
+            <a:endParaRPr lang="pt-BR" sz="1800" b="0" strike="noStrike" spc="-1" dirty="0">
+              <a:solidFill>
+                <a:srgbClr val="01498E"/>
+              </a:solidFill>
+              <a:latin typeface="Arial"/>
+              <a:ea typeface="Calibri"/>
+            </a:endParaRPr>
+          </a:p>
+          <a:p>
+            <a:pPr marL="673200" lvl="1" indent="-216000" algn="just">
               <a:lnSpc>
                 <a:spcPct val="115000"/>
               </a:lnSpc>
@@ -8595,50 +9041,48 @@
               <a:buChar char="●"/>
             </a:pPr>
             <a:r>
-              <a:rPr lang="pt-BR" sz="1800" b="0" strike="noStrike" spc="-1" dirty="0">
+              <a:rPr lang="pt-BR" spc="-1" dirty="0">
                 <a:solidFill>
                   <a:srgbClr val="01498E"/>
                 </a:solidFill>
                 <a:latin typeface="Arial"/>
                 <a:ea typeface="Calibri"/>
               </a:rPr>
-              <a:t>Objetivos?</a:t>
-            </a:r>
-          </a:p>
-          <a:p>
-            <a:pPr marL="889200" lvl="2" indent="-216000" algn="just">
+              <a:t>O que é uma tabela?</a:t>
+            </a:r>
+          </a:p>
+          <a:p>
+            <a:pPr marL="673200" lvl="1" indent="-216000" algn="just">
               <a:lnSpc>
                 <a:spcPct val="115000"/>
               </a:lnSpc>
               <a:buClr>
                 <a:srgbClr val="000000"/>
               </a:buClr>
-              <a:buSzPct val="45000"/>
-              <a:buFont typeface="Wingdings" charset="2"/>
-              <a:buChar char=""/>
-            </a:pPr>
-            <a:r>
-              <a:rPr lang="pt-BR" spc="-1" dirty="0">
+              <a:buFont typeface="Arial"/>
+              <a:buChar char="●"/>
+            </a:pPr>
+            <a:r>
+              <a:rPr lang="pt-BR" b="0" strike="noStrike" spc="-1" dirty="0">
                 <a:solidFill>
                   <a:srgbClr val="01498E"/>
                 </a:solidFill>
                 <a:latin typeface="Arial"/>
                 <a:ea typeface="Calibri"/>
               </a:rPr>
-              <a:t>Alinhar expectativas entre stakeholders (clientes, usuários, equipe).</a:t>
-            </a:r>
-          </a:p>
-          <a:p>
-            <a:pPr marL="889200" lvl="2" indent="-216000" algn="just">
+              <a:t>O que é uma chave primaria</a:t>
+            </a:r>
+          </a:p>
+          <a:p>
+            <a:pPr marL="673200" lvl="1" indent="-216000" algn="just">
               <a:lnSpc>
                 <a:spcPct val="115000"/>
               </a:lnSpc>
               <a:buClr>
                 <a:srgbClr val="000000"/>
               </a:buClr>
-              <a:buSzPct val="45000"/>
-              <a:buFont typeface="Wingdings" charset="2"/>
-              <a:buChar char=""/>
+              <a:buFont typeface="Arial"/>
+              <a:buChar char="●"/>
             </a:pPr>
             <a:r>
               <a:rPr lang="pt-BR" spc="-1" dirty="0">
@@ -8648,66 +9092,352 @@
                 <a:latin typeface="Arial"/>
                 <a:ea typeface="Calibri"/>
               </a:rPr>
-              <a:t>Reduzir riscos de retrabalho e falhas.</a:t>
-            </a:r>
-          </a:p>
-          <a:p>
-            <a:pPr marL="889200" lvl="2" indent="-216000" algn="just">
+              <a:t>O que é uma chave estrangeira</a:t>
+            </a:r>
+          </a:p>
+          <a:p>
+            <a:pPr marL="673200" lvl="1" indent="-216000" algn="just">
               <a:lnSpc>
                 <a:spcPct val="115000"/>
               </a:lnSpc>
               <a:buClr>
                 <a:srgbClr val="000000"/>
               </a:buClr>
-              <a:buSzPct val="45000"/>
-              <a:buFont typeface="Wingdings" charset="2"/>
-              <a:buChar char=""/>
-            </a:pPr>
-            <a:r>
-              <a:rPr lang="pt-BR" spc="-1" dirty="0">
+              <a:buFont typeface="Arial"/>
+              <a:buChar char="●"/>
+            </a:pPr>
+            <a:r>
+              <a:rPr lang="pt-BR" b="0" strike="noStrike" spc="-1" dirty="0">
                 <a:solidFill>
                   <a:srgbClr val="01498E"/>
                 </a:solidFill>
                 <a:latin typeface="Arial"/>
                 <a:ea typeface="Calibri"/>
               </a:rPr>
-              <a:t>Estabelecer escopo claro e viável.</a:t>
-            </a:r>
+              <a:t>O que é </a:t>
+            </a:r>
+            <a:r>
+              <a:rPr lang="pt-BR" spc="-1" dirty="0">
+                <a:solidFill>
+                  <a:srgbClr val="01498E"/>
+                </a:solidFill>
+                <a:latin typeface="Arial"/>
+                <a:ea typeface="Calibri"/>
+              </a:rPr>
+              <a:t>ou para que serve</a:t>
+            </a:r>
+            <a:r>
+              <a:rPr lang="pt-BR" b="0" strike="noStrike" spc="-1" dirty="0">
+                <a:solidFill>
+                  <a:srgbClr val="01498E"/>
+                </a:solidFill>
+                <a:latin typeface="Arial"/>
+                <a:ea typeface="Calibri"/>
+              </a:rPr>
+              <a:t> índice</a:t>
+            </a:r>
+          </a:p>
+          <a:p>
+            <a:pPr marL="673200" lvl="1" indent="-216000" algn="just">
+              <a:lnSpc>
+                <a:spcPct val="115000"/>
+              </a:lnSpc>
+              <a:buClr>
+                <a:srgbClr val="000000"/>
+              </a:buClr>
+              <a:buFont typeface="Arial"/>
+              <a:buChar char="●"/>
+            </a:pPr>
+            <a:r>
+              <a:rPr lang="pt-BR" spc="-1" dirty="0">
+                <a:solidFill>
+                  <a:srgbClr val="01498E"/>
+                </a:solidFill>
+                <a:latin typeface="Arial"/>
+                <a:ea typeface="Calibri"/>
+              </a:rPr>
+              <a:t>O que é uma trigger (gatilho)</a:t>
+            </a:r>
+          </a:p>
+          <a:p>
+            <a:pPr marL="673200" lvl="1" indent="-216000" algn="just">
+              <a:lnSpc>
+                <a:spcPct val="115000"/>
+              </a:lnSpc>
+              <a:buClr>
+                <a:srgbClr val="000000"/>
+              </a:buClr>
+              <a:buFont typeface="Arial"/>
+              <a:buChar char="●"/>
+            </a:pPr>
+            <a:r>
+              <a:rPr lang="pt-BR" spc="-1" dirty="0">
+                <a:solidFill>
+                  <a:srgbClr val="01498E"/>
+                </a:solidFill>
+                <a:latin typeface="Arial"/>
+                <a:ea typeface="Calibri"/>
+              </a:rPr>
+              <a:t>O que é uma </a:t>
+            </a:r>
+            <a:r>
+              <a:rPr lang="pt-BR" spc="-1" dirty="0" err="1">
+                <a:solidFill>
+                  <a:srgbClr val="01498E"/>
+                </a:solidFill>
+                <a:latin typeface="Arial"/>
+                <a:ea typeface="Calibri"/>
+              </a:rPr>
+              <a:t>constraint</a:t>
+            </a:r>
+            <a:r>
+              <a:rPr lang="pt-BR" spc="-1" dirty="0">
+                <a:solidFill>
+                  <a:srgbClr val="01498E"/>
+                </a:solidFill>
+                <a:latin typeface="Arial"/>
+                <a:ea typeface="Calibri"/>
+              </a:rPr>
+              <a:t> (restrição)</a:t>
+            </a:r>
+          </a:p>
+          <a:p>
+            <a:pPr marL="673200" lvl="1" indent="-216000" algn="just">
+              <a:lnSpc>
+                <a:spcPct val="115000"/>
+              </a:lnSpc>
+              <a:buClr>
+                <a:srgbClr val="000000"/>
+              </a:buClr>
+              <a:buFont typeface="Arial"/>
+              <a:buChar char="●"/>
+            </a:pPr>
+            <a:r>
+              <a:rPr lang="pt-BR" spc="-1" dirty="0">
+                <a:solidFill>
+                  <a:srgbClr val="01498E"/>
+                </a:solidFill>
+                <a:latin typeface="Arial"/>
+                <a:ea typeface="Calibri"/>
+              </a:rPr>
+              <a:t>O que é uma transação</a:t>
+            </a:r>
+          </a:p>
+          <a:p>
+            <a:pPr marL="673200" lvl="1" indent="-216000" algn="just">
+              <a:lnSpc>
+                <a:spcPct val="115000"/>
+              </a:lnSpc>
+              <a:buClr>
+                <a:srgbClr val="000000"/>
+              </a:buClr>
+              <a:buFont typeface="Arial"/>
+              <a:buChar char="●"/>
+            </a:pPr>
+            <a:r>
+              <a:rPr lang="pt-BR" b="0" strike="noStrike" spc="-1" dirty="0">
+                <a:solidFill>
+                  <a:srgbClr val="01498E"/>
+                </a:solidFill>
+                <a:latin typeface="Arial"/>
+                <a:ea typeface="Calibri"/>
+              </a:rPr>
+              <a:t>O que </a:t>
+            </a:r>
+            <a:r>
+              <a:rPr lang="pt-BR" spc="-1" dirty="0">
+                <a:solidFill>
+                  <a:srgbClr val="01498E"/>
+                </a:solidFill>
+                <a:latin typeface="Arial"/>
+                <a:ea typeface="Calibri"/>
+              </a:rPr>
+              <a:t>é um </a:t>
+            </a:r>
+            <a:r>
+              <a:rPr lang="pt-BR" spc="-1" dirty="0" err="1">
+                <a:solidFill>
+                  <a:srgbClr val="01498E"/>
+                </a:solidFill>
+                <a:latin typeface="Arial"/>
+                <a:ea typeface="Calibri"/>
+              </a:rPr>
+              <a:t>commit</a:t>
+            </a:r>
+            <a:r>
+              <a:rPr lang="pt-BR" spc="-1" dirty="0">
+                <a:solidFill>
+                  <a:srgbClr val="01498E"/>
+                </a:solidFill>
+                <a:latin typeface="Arial"/>
+                <a:ea typeface="Calibri"/>
+              </a:rPr>
+              <a:t> (banco de dados)</a:t>
+            </a:r>
+          </a:p>
+          <a:p>
+            <a:pPr marL="673200" lvl="1" indent="-216000" algn="just">
+              <a:lnSpc>
+                <a:spcPct val="115000"/>
+              </a:lnSpc>
+              <a:buClr>
+                <a:srgbClr val="000000"/>
+              </a:buClr>
+              <a:buFont typeface="Arial"/>
+              <a:buChar char="●"/>
+            </a:pPr>
+            <a:r>
+              <a:rPr lang="pt-BR" spc="-1" dirty="0">
+                <a:solidFill>
+                  <a:srgbClr val="01498E"/>
+                </a:solidFill>
+                <a:latin typeface="Arial"/>
+                <a:ea typeface="Calibri"/>
+              </a:rPr>
+              <a:t>O que é um </a:t>
+            </a:r>
+            <a:r>
+              <a:rPr lang="pt-BR" spc="-1" dirty="0" err="1">
+                <a:solidFill>
+                  <a:srgbClr val="01498E"/>
+                </a:solidFill>
+                <a:latin typeface="Arial"/>
+                <a:ea typeface="Calibri"/>
+              </a:rPr>
+              <a:t>rollback</a:t>
+            </a:r>
+            <a:endParaRPr lang="pt-BR" spc="-1" dirty="0">
+              <a:solidFill>
+                <a:srgbClr val="01498E"/>
+              </a:solidFill>
+              <a:latin typeface="Arial"/>
+              <a:ea typeface="Calibri"/>
+            </a:endParaRPr>
+          </a:p>
+          <a:p>
+            <a:pPr marL="673200" lvl="1" indent="-216000" algn="just">
+              <a:lnSpc>
+                <a:spcPct val="115000"/>
+              </a:lnSpc>
+              <a:buClr>
+                <a:srgbClr val="000000"/>
+              </a:buClr>
+              <a:buFont typeface="Arial"/>
+              <a:buChar char="●"/>
+            </a:pPr>
+            <a:r>
+              <a:rPr lang="pt-BR" b="0" strike="noStrike" spc="-1" dirty="0">
+                <a:solidFill>
+                  <a:srgbClr val="01498E"/>
+                </a:solidFill>
+                <a:latin typeface="Arial"/>
+                <a:ea typeface="Calibri"/>
+              </a:rPr>
+              <a:t>Quando usamos um BD</a:t>
+            </a:r>
+          </a:p>
+          <a:p>
+            <a:pPr marL="673200" lvl="1" indent="-216000" algn="just">
+              <a:lnSpc>
+                <a:spcPct val="115000"/>
+              </a:lnSpc>
+              <a:buClr>
+                <a:srgbClr val="000000"/>
+              </a:buClr>
+              <a:buFont typeface="Arial"/>
+              <a:buChar char="●"/>
+            </a:pPr>
+            <a:r>
+              <a:rPr lang="pt-BR" b="0" strike="noStrike" spc="-1" dirty="0">
+                <a:solidFill>
+                  <a:srgbClr val="01498E"/>
+                </a:solidFill>
+                <a:latin typeface="Arial"/>
+                <a:ea typeface="Calibri"/>
+              </a:rPr>
+              <a:t>Tipos de banco de dados</a:t>
+            </a:r>
+          </a:p>
+          <a:p>
+            <a:pPr marL="673200" lvl="1" indent="-216000" algn="just">
+              <a:lnSpc>
+                <a:spcPct val="115000"/>
+              </a:lnSpc>
+              <a:buClr>
+                <a:srgbClr val="000000"/>
+              </a:buClr>
+              <a:buFont typeface="Arial"/>
+              <a:buChar char="●"/>
+            </a:pPr>
+            <a:r>
+              <a:rPr lang="pt-BR" b="0" strike="noStrike" spc="-1" dirty="0">
+                <a:solidFill>
+                  <a:srgbClr val="01498E"/>
+                </a:solidFill>
+                <a:latin typeface="Arial"/>
+                <a:ea typeface="Calibri"/>
+              </a:rPr>
+              <a:t>Qual a diferença entre BD e um JSON</a:t>
+            </a:r>
+          </a:p>
+          <a:p>
+            <a:pPr marL="673200" lvl="1" indent="-216000" algn="just">
+              <a:lnSpc>
+                <a:spcPct val="115000"/>
+              </a:lnSpc>
+              <a:buClr>
+                <a:srgbClr val="000000"/>
+              </a:buClr>
+              <a:buFont typeface="Arial"/>
+              <a:buChar char="●"/>
+            </a:pPr>
             <a:endParaRPr lang="pt-BR" b="0" strike="noStrike" spc="-1" dirty="0">
               <a:solidFill>
-                <a:srgbClr val="000000"/>
-              </a:solidFill>
-              <a:latin typeface="Arial"/>
-            </a:endParaRPr>
-          </a:p>
-          <a:p>
-            <a:pPr algn="just">
+                <a:srgbClr val="01498E"/>
+              </a:solidFill>
+              <a:latin typeface="Arial"/>
+              <a:ea typeface="Calibri"/>
+            </a:endParaRPr>
+          </a:p>
+          <a:p>
+            <a:pPr marL="673200" lvl="1" indent="-216000" algn="just">
               <a:lnSpc>
                 <a:spcPct val="115000"/>
               </a:lnSpc>
-            </a:pPr>
-            <a:endParaRPr lang="pt-BR" sz="1800" b="0" strike="noStrike" spc="-1" dirty="0">
-              <a:solidFill>
-                <a:srgbClr val="000000"/>
-              </a:solidFill>
-              <a:latin typeface="Arial"/>
-            </a:endParaRPr>
-          </a:p>
-          <a:p>
-            <a:pPr algn="just">
+              <a:buClr>
+                <a:srgbClr val="000000"/>
+              </a:buClr>
+              <a:buFont typeface="Arial"/>
+              <a:buChar char="●"/>
+            </a:pPr>
+            <a:endParaRPr lang="pt-BR" b="0" strike="noStrike" spc="-1" dirty="0">
+              <a:solidFill>
+                <a:srgbClr val="01498E"/>
+              </a:solidFill>
+              <a:latin typeface="Arial"/>
+              <a:ea typeface="Calibri"/>
+            </a:endParaRPr>
+          </a:p>
+          <a:p>
+            <a:pPr marL="673200" lvl="1" indent="-216000" algn="just">
               <a:lnSpc>
                 <a:spcPct val="115000"/>
               </a:lnSpc>
-            </a:pPr>
-            <a:endParaRPr lang="pt-BR" sz="1800" b="0" strike="noStrike" spc="-1" dirty="0">
-              <a:solidFill>
-                <a:srgbClr val="000000"/>
-              </a:solidFill>
-              <a:latin typeface="Arial"/>
-            </a:endParaRPr>
-          </a:p>
-          <a:p>
-            <a:pPr algn="just">
+              <a:buClr>
+                <a:srgbClr val="000000"/>
+              </a:buClr>
+              <a:buFont typeface="Arial"/>
+              <a:buChar char="●"/>
+            </a:pPr>
+            <a:endParaRPr lang="pt-BR" b="0" strike="noStrike" spc="-1" dirty="0">
+              <a:solidFill>
+                <a:srgbClr val="000000"/>
+              </a:solidFill>
+              <a:latin typeface="Arial"/>
+            </a:endParaRPr>
+          </a:p>
+          <a:p>
+            <a:pPr marL="216000" algn="just">
               <a:lnSpc>
                 <a:spcPct val="115000"/>
               </a:lnSpc>
@@ -8724,7 +9454,7 @@
     </p:spTree>
     <p:extLst>
       <p:ext uri="{BB962C8B-B14F-4D97-AF65-F5344CB8AC3E}">
-        <p14:creationId xmlns:p14="http://schemas.microsoft.com/office/powerpoint/2010/main" val="2945906695"/>
+        <p14:creationId xmlns:p14="http://schemas.microsoft.com/office/powerpoint/2010/main" val="778344292"/>
       </p:ext>
     </p:extLst>
   </p:cSld>
@@ -9266,62 +9996,7 @@
           <a:chExt cx="0" cy="0"/>
         </a:xfrm>
       </p:grpSpPr>
-      <p:sp>
-        <p:nvSpPr>
-          <p:cNvPr id="2" name="Título 1">
-            <a:extLst>
-              <a:ext uri="{FF2B5EF4-FFF2-40B4-BE49-F238E27FC236}">
-                <a16:creationId xmlns:a16="http://schemas.microsoft.com/office/drawing/2014/main" id="{FA416488-1FE3-A266-CF5E-33B1998A35E6}"/>
-              </a:ext>
-            </a:extLst>
-          </p:cNvPr>
-          <p:cNvSpPr>
-            <a:spLocks noGrp="1"/>
-          </p:cNvSpPr>
-          <p:nvPr>
-            <p:ph type="title"/>
-          </p:nvPr>
-        </p:nvSpPr>
-        <p:spPr/>
-        <p:txBody>
-          <a:bodyPr/>
-          <a:lstStyle/>
-          <a:p>
-            <a:endParaRPr lang="pt-BR"/>
-          </a:p>
-        </p:txBody>
-      </p:sp>
-      <p:sp>
-        <p:nvSpPr>
-          <p:cNvPr id="3" name="Subtítulo 2">
-            <a:extLst>
-              <a:ext uri="{FF2B5EF4-FFF2-40B4-BE49-F238E27FC236}">
-                <a16:creationId xmlns:a16="http://schemas.microsoft.com/office/drawing/2014/main" id="{32568B0A-066B-46FA-ABAE-04B10C6EDEFC}"/>
-              </a:ext>
-            </a:extLst>
-          </p:cNvPr>
-          <p:cNvSpPr>
-            <a:spLocks noGrp="1"/>
-          </p:cNvSpPr>
-          <p:nvPr>
-            <p:ph type="subTitle"/>
-          </p:nvPr>
-        </p:nvSpPr>
-        <p:spPr/>
-        <p:txBody>
-          <a:bodyPr/>
-          <a:lstStyle/>
-          <a:p>
-            <a:endParaRPr lang="pt-BR"/>
-          </a:p>
-        </p:txBody>
-      </p:sp>
     </p:spTree>
-    <p:extLst>
-      <p:ext uri="{BB962C8B-B14F-4D97-AF65-F5344CB8AC3E}">
-        <p14:creationId xmlns:p14="http://schemas.microsoft.com/office/powerpoint/2010/main" val="3652520114"/>
-      </p:ext>
-    </p:extLst>
   </p:cSld>
   <p:clrMapOvr>
     <a:masterClrMapping/>
@@ -9348,60 +10023,195 @@
       </p:grpSpPr>
       <p:sp>
         <p:nvSpPr>
-          <p:cNvPr id="2" name="Título 1">
-            <a:extLst>
-              <a:ext uri="{FF2B5EF4-FFF2-40B4-BE49-F238E27FC236}">
-                <a16:creationId xmlns:a16="http://schemas.microsoft.com/office/drawing/2014/main" id="{CFD658FF-4120-7F9A-7010-518F5805BFBC}"/>
-              </a:ext>
-            </a:extLst>
-          </p:cNvPr>
-          <p:cNvSpPr>
-            <a:spLocks noGrp="1"/>
-          </p:cNvSpPr>
-          <p:nvPr>
-            <p:ph type="title"/>
-          </p:nvPr>
-        </p:nvSpPr>
-        <p:spPr/>
-        <p:txBody>
-          <a:bodyPr/>
-          <a:lstStyle/>
-          <a:p>
-            <a:endParaRPr lang="pt-BR"/>
-          </a:p>
-        </p:txBody>
-      </p:sp>
-      <p:sp>
-        <p:nvSpPr>
-          <p:cNvPr id="3" name="Subtítulo 2">
-            <a:extLst>
-              <a:ext uri="{FF2B5EF4-FFF2-40B4-BE49-F238E27FC236}">
-                <a16:creationId xmlns:a16="http://schemas.microsoft.com/office/drawing/2014/main" id="{82C7587D-6FEF-F170-413A-6BD4422D9039}"/>
-              </a:ext>
-            </a:extLst>
-          </p:cNvPr>
-          <p:cNvSpPr>
-            <a:spLocks noGrp="1"/>
-          </p:cNvSpPr>
-          <p:nvPr>
-            <p:ph type="subTitle"/>
-          </p:nvPr>
-        </p:nvSpPr>
-        <p:spPr/>
-        <p:txBody>
-          <a:bodyPr/>
-          <a:lstStyle/>
-          <a:p>
-            <a:endParaRPr lang="pt-BR"/>
-          </a:p>
-        </p:txBody>
-      </p:sp>
+          <p:cNvPr id="192" name="Título 2"/>
+          <p:cNvSpPr/>
+          <p:nvPr/>
+        </p:nvSpPr>
+        <p:spPr>
+          <a:xfrm>
+            <a:off x="291960" y="189000"/>
+            <a:ext cx="7480080" cy="899640"/>
+          </a:xfrm>
+          <a:prstGeom prst="rect">
+            <a:avLst/>
+          </a:prstGeom>
+          <a:noFill/>
+          <a:ln w="0">
+            <a:noFill/>
+          </a:ln>
+        </p:spPr>
+        <p:style>
+          <a:lnRef idx="0">
+            <a:scrgbClr r="0" g="0" b="0"/>
+          </a:lnRef>
+          <a:fillRef idx="0">
+            <a:scrgbClr r="0" g="0" b="0"/>
+          </a:fillRef>
+          <a:effectRef idx="0">
+            <a:scrgbClr r="0" g="0" b="0"/>
+          </a:effectRef>
+          <a:fontRef idx="minor"/>
+        </p:style>
+        <p:txBody>
+          <a:bodyPr lIns="90000" tIns="91440" rIns="90000" bIns="91440" anchor="t">
+            <a:noAutofit/>
+          </a:bodyPr>
+          <a:lstStyle/>
+          <a:p>
+            <a:pPr>
+              <a:lnSpc>
+                <a:spcPct val="100000"/>
+              </a:lnSpc>
+            </a:pPr>
+            <a:r>
+              <a:rPr lang="pt-BR" sz="4200" b="1" strike="noStrike" spc="-1">
+                <a:solidFill>
+                  <a:srgbClr val="002060"/>
+                </a:solidFill>
+                <a:latin typeface="Overpass"/>
+                <a:ea typeface="Overpass"/>
+              </a:rPr>
+              <a:t>Boa noite! </a:t>
+            </a:r>
+            <a:endParaRPr lang="pt-BR" sz="4200" b="0" strike="noStrike" spc="-1">
+              <a:solidFill>
+                <a:srgbClr val="000000"/>
+              </a:solidFill>
+              <a:latin typeface="Arial"/>
+            </a:endParaRPr>
+          </a:p>
+          <a:p>
+            <a:pPr>
+              <a:lnSpc>
+                <a:spcPct val="100000"/>
+              </a:lnSpc>
+            </a:pPr>
+            <a:endParaRPr lang="pt-BR" sz="4200" b="0" strike="noStrike" spc="-1">
+              <a:solidFill>
+                <a:srgbClr val="000000"/>
+              </a:solidFill>
+              <a:latin typeface="Arial"/>
+            </a:endParaRPr>
+          </a:p>
+        </p:txBody>
+      </p:sp>
+      <p:sp>
+        <p:nvSpPr>
+          <p:cNvPr id="193" name="CaixaDeTexto 2"/>
+          <p:cNvSpPr/>
+          <p:nvPr/>
+        </p:nvSpPr>
+        <p:spPr>
+          <a:xfrm rot="7200">
+            <a:off x="290520" y="1150200"/>
+            <a:ext cx="6188040" cy="928800"/>
+          </a:xfrm>
+          <a:prstGeom prst="rect">
+            <a:avLst/>
+          </a:prstGeom>
+          <a:noFill/>
+          <a:ln w="0">
+            <a:noFill/>
+          </a:ln>
+        </p:spPr>
+        <p:style>
+          <a:lnRef idx="0">
+            <a:scrgbClr r="0" g="0" b="0"/>
+          </a:lnRef>
+          <a:fillRef idx="0">
+            <a:scrgbClr r="0" g="0" b="0"/>
+          </a:fillRef>
+          <a:effectRef idx="0">
+            <a:scrgbClr r="0" g="0" b="0"/>
+          </a:effectRef>
+          <a:fontRef idx="minor"/>
+        </p:style>
+        <p:txBody>
+          <a:bodyPr lIns="90000" tIns="45000" rIns="90000" bIns="45000" anchor="t">
+            <a:spAutoFit/>
+          </a:bodyPr>
+          <a:lstStyle/>
+          <a:p>
+            <a:pPr marL="216000" indent="-216000" algn="just">
+              <a:lnSpc>
+                <a:spcPct val="115000"/>
+              </a:lnSpc>
+              <a:buClr>
+                <a:srgbClr val="000000"/>
+              </a:buClr>
+              <a:buFont typeface="Arial"/>
+              <a:buChar char="●"/>
+            </a:pPr>
+            <a:r>
+              <a:rPr lang="pt-BR" sz="1600" b="0" strike="noStrike" spc="-1">
+                <a:solidFill>
+                  <a:srgbClr val="01498E"/>
+                </a:solidFill>
+                <a:latin typeface="Arial"/>
+                <a:ea typeface="Calibri"/>
+              </a:rPr>
+              <a:t>Favor salvar o conteúdo de hoje pois vamos utilizar. </a:t>
+            </a:r>
+            <a:endParaRPr lang="pt-BR" sz="1600" b="0" strike="noStrike" spc="-1">
+              <a:solidFill>
+                <a:srgbClr val="000000"/>
+              </a:solidFill>
+              <a:latin typeface="Arial"/>
+            </a:endParaRPr>
+          </a:p>
+          <a:p>
+            <a:pPr algn="just">
+              <a:lnSpc>
+                <a:spcPct val="115000"/>
+              </a:lnSpc>
+            </a:pPr>
+            <a:endParaRPr lang="pt-BR" sz="1600" b="0" strike="noStrike" spc="-1">
+              <a:solidFill>
+                <a:srgbClr val="000000"/>
+              </a:solidFill>
+              <a:latin typeface="Arial"/>
+            </a:endParaRPr>
+          </a:p>
+          <a:p>
+            <a:pPr algn="just">
+              <a:lnSpc>
+                <a:spcPct val="115000"/>
+              </a:lnSpc>
+            </a:pPr>
+            <a:endParaRPr lang="pt-BR" sz="1600" b="0" strike="noStrike" spc="-1">
+              <a:solidFill>
+                <a:srgbClr val="000000"/>
+              </a:solidFill>
+              <a:latin typeface="Arial"/>
+            </a:endParaRPr>
+          </a:p>
+        </p:txBody>
+      </p:sp>
+      <p:pic>
+        <p:nvPicPr>
+          <p:cNvPr id="194" name="Imagem 11"/>
+          <p:cNvPicPr/>
+          <p:nvPr/>
+        </p:nvPicPr>
+        <p:blipFill>
+          <a:blip r:embed="rId2"/>
+          <a:srcRect b="20507"/>
+          <a:stretch/>
+        </p:blipFill>
+        <p:spPr>
+          <a:xfrm>
+            <a:off x="8071560" y="316800"/>
+            <a:ext cx="2142360" cy="3603240"/>
+          </a:xfrm>
+          <a:prstGeom prst="rect">
+            <a:avLst/>
+          </a:prstGeom>
+          <a:ln w="0">
+            <a:noFill/>
+          </a:ln>
+        </p:spPr>
+      </p:pic>
     </p:spTree>
-    <p:extLst>
-      <p:ext uri="{BB962C8B-B14F-4D97-AF65-F5344CB8AC3E}">
-        <p14:creationId xmlns:p14="http://schemas.microsoft.com/office/powerpoint/2010/main" val="2782969953"/>
-      </p:ext>
-    </p:extLst>
   </p:cSld>
   <p:clrMapOvr>
     <a:masterClrMapping/>
